--- a/docs/diagrams/StatisticUiActivityDiagram.pptx
+++ b/docs/diagrams/StatisticUiActivityDiagram.pptx
@@ -3349,10 +3349,10 @@
       </p:grpSpPr>
       <p:grpSp>
         <p:nvGrpSpPr>
-          <p:cNvPr id="191" name="Group 190">
-            <a:extLst>
-              <a:ext uri="{FF2B5EF4-FFF2-40B4-BE49-F238E27FC236}">
-                <a16:creationId xmlns:a16="http://schemas.microsoft.com/office/drawing/2014/main" id="{3ACE1B0D-6DAB-48F1-A0CB-F9A72D923DFA}"/>
+          <p:cNvPr id="4" name="Group 3">
+            <a:extLst>
+              <a:ext uri="{FF2B5EF4-FFF2-40B4-BE49-F238E27FC236}">
+                <a16:creationId xmlns:a16="http://schemas.microsoft.com/office/drawing/2014/main" id="{84A9B98F-59F4-48A8-8302-AAB93F2E2545}"/>
               </a:ext>
             </a:extLst>
           </p:cNvPr>
@@ -3361,10 +3361,10 @@
         </p:nvGrpSpPr>
         <p:grpSpPr>
           <a:xfrm>
-            <a:off x="-1097280" y="-3044351"/>
-            <a:ext cx="12742897" cy="15806553"/>
-            <a:chOff x="-1097280" y="-3044351"/>
-            <a:chExt cx="12742897" cy="15806553"/>
+            <a:off x="-1097279" y="-1127760"/>
+            <a:ext cx="8575039" cy="8517469"/>
+            <a:chOff x="-1097279" y="-1127760"/>
+            <a:chExt cx="8575039" cy="8517469"/>
           </a:xfrm>
         </p:grpSpPr>
         <p:sp>
@@ -3381,8 +3381,8 @@
           </p:nvSpPr>
           <p:spPr>
             <a:xfrm>
-              <a:off x="-1097280" y="-2558005"/>
-              <a:ext cx="12742897" cy="14912213"/>
+              <a:off x="-1097279" y="-882049"/>
+              <a:ext cx="8575039" cy="7771908"/>
             </a:xfrm>
             <a:prstGeom prst="roundRect">
               <a:avLst/>
@@ -3412,7 +3412,7 @@
             <a:lstStyle/>
             <a:p>
               <a:pPr algn="ctr"/>
-              <a:endParaRPr lang="en-SG"/>
+              <a:endParaRPr lang="en-SG" sz="1200"/>
             </a:p>
           </p:txBody>
         </p:sp>
@@ -3430,8 +3430,8 @@
           </p:nvSpPr>
           <p:spPr>
             <a:xfrm>
-              <a:off x="5057288" y="-3044351"/>
-              <a:ext cx="175846" cy="175846"/>
+              <a:off x="3044296" y="-1127760"/>
+              <a:ext cx="118331" cy="88841"/>
             </a:xfrm>
             <a:prstGeom prst="ellipse">
               <a:avLst/>
@@ -3466,7 +3466,7 @@
             <a:lstStyle/>
             <a:p>
               <a:pPr algn="ctr"/>
-              <a:endParaRPr lang="en-SG"/>
+              <a:endParaRPr lang="en-SG" sz="1200"/>
             </a:p>
           </p:txBody>
         </p:sp>
@@ -3484,8 +3484,8 @@
           </p:nvSpPr>
           <p:spPr>
             <a:xfrm>
-              <a:off x="3705251" y="-2264679"/>
-              <a:ext cx="2879919" cy="1068066"/>
+              <a:off x="2134474" y="-733856"/>
+              <a:ext cx="1937975" cy="539607"/>
             </a:xfrm>
             <a:prstGeom prst="roundRect">
               <a:avLst/>
@@ -3521,7 +3521,7 @@
             <a:p>
               <a:pPr algn="ctr"/>
               <a:r>
-                <a:rPr lang="en-SG" dirty="0">
+                <a:rPr lang="en-SG" sz="1200" dirty="0">
                   <a:solidFill>
                     <a:schemeClr val="tx1"/>
                   </a:solidFill>
@@ -3529,7 +3529,7 @@
                 <a:t>Create 2 new arrays, </a:t>
               </a:r>
               <a:r>
-                <a:rPr lang="en-SG" dirty="0" err="1">
+                <a:rPr lang="en-SG" sz="1200" dirty="0" err="1">
                   <a:solidFill>
                     <a:schemeClr val="tx1"/>
                   </a:solidFill>
@@ -3537,7 +3537,7 @@
                 <a:t>expenseChartLabelData</a:t>
               </a:r>
               <a:r>
-                <a:rPr lang="en-SG" dirty="0">
+                <a:rPr lang="en-SG" sz="1200" dirty="0">
                   <a:solidFill>
                     <a:schemeClr val="tx1"/>
                   </a:solidFill>
@@ -3545,14 +3545,14 @@
                 <a:t> and </a:t>
               </a:r>
               <a:r>
-                <a:rPr lang="en-SG" dirty="0" err="1">
+                <a:rPr lang="en-SG" sz="1200" dirty="0" err="1">
                   <a:solidFill>
                     <a:schemeClr val="tx1"/>
                   </a:solidFill>
                 </a:rPr>
                 <a:t>incomeChartLabelData</a:t>
               </a:r>
-              <a:endParaRPr lang="en-SG" dirty="0">
+              <a:endParaRPr lang="en-SG" sz="1200" dirty="0">
                 <a:solidFill>
                   <a:schemeClr val="tx1"/>
                 </a:solidFill>
@@ -3574,8 +3574,8 @@
           </p:nvSpPr>
           <p:spPr>
             <a:xfrm>
-              <a:off x="5347284" y="3918603"/>
-              <a:ext cx="2692450" cy="369332"/>
+              <a:off x="3239442" y="2390052"/>
+              <a:ext cx="1811822" cy="276999"/>
             </a:xfrm>
             <a:prstGeom prst="rect">
               <a:avLst/>
@@ -3589,7 +3589,7 @@
             <a:lstStyle/>
             <a:p>
               <a:r>
-                <a:rPr lang="en-SG" dirty="0"/>
+                <a:rPr lang="en-SG" sz="1200" dirty="0"/>
                 <a:t>[else]</a:t>
               </a:r>
             </a:p>
@@ -3609,8 +3609,8 @@
           </p:nvSpPr>
           <p:spPr>
             <a:xfrm>
-              <a:off x="0" y="-2053812"/>
-              <a:ext cx="2540684" cy="369332"/>
+              <a:off x="-358890" y="-627322"/>
+              <a:ext cx="1709695" cy="276999"/>
             </a:xfrm>
             <a:prstGeom prst="rect">
               <a:avLst/>
@@ -3624,10 +3624,10 @@
             <a:lstStyle/>
             <a:p>
               <a:r>
-                <a:rPr lang="en-SG" b="1" dirty="0" err="1"/>
+                <a:rPr lang="en-SG" sz="1200" b="1" dirty="0" err="1"/>
                 <a:t>MixedPieChartDataList</a:t>
               </a:r>
-              <a:endParaRPr lang="en-SG" b="1" dirty="0"/>
+              <a:endParaRPr lang="en-SG" sz="1200" b="1" dirty="0"/>
             </a:p>
           </p:txBody>
         </p:sp>
@@ -3645,8 +3645,8 @@
           </p:nvGrpSpPr>
           <p:grpSpPr>
             <a:xfrm>
-              <a:off x="5045385" y="12562556"/>
-              <a:ext cx="199646" cy="199646"/>
+              <a:off x="3047957" y="7288844"/>
+              <a:ext cx="111003" cy="100865"/>
               <a:chOff x="11139178" y="4966354"/>
               <a:chExt cx="199646" cy="199646"/>
             </a:xfrm>
@@ -3699,7 +3699,7 @@
               <a:lstStyle/>
               <a:p>
                 <a:pPr algn="ctr"/>
-                <a:endParaRPr lang="en-SG"/>
+                <a:endParaRPr lang="en-SG" sz="1200"/>
               </a:p>
             </p:txBody>
           </p:sp>
@@ -3753,7 +3753,7 @@
               <a:lstStyle/>
               <a:p>
                 <a:pPr algn="ctr"/>
-                <a:endParaRPr lang="en-SG"/>
+                <a:endParaRPr lang="en-SG" sz="1200"/>
               </a:p>
             </p:txBody>
           </p:sp>
@@ -3775,8 +3775,8 @@
           </p:nvCxnSpPr>
           <p:spPr>
             <a:xfrm>
-              <a:off x="5145211" y="-2868505"/>
-              <a:ext cx="0" cy="603826"/>
+              <a:off x="3103462" y="-1038919"/>
+              <a:ext cx="0" cy="305064"/>
             </a:xfrm>
             <a:prstGeom prst="straightConnector1">
               <a:avLst/>
@@ -3821,8 +3821,8 @@
           </p:nvCxnSpPr>
           <p:spPr>
             <a:xfrm>
-              <a:off x="5145211" y="-1196613"/>
-              <a:ext cx="0" cy="324926"/>
+              <a:off x="3103462" y="-194249"/>
+              <a:ext cx="0" cy="164159"/>
             </a:xfrm>
             <a:prstGeom prst="straightConnector1">
               <a:avLst/>
@@ -3863,8 +3863,8 @@
           </p:nvSpPr>
           <p:spPr>
             <a:xfrm>
-              <a:off x="4958373" y="3365198"/>
-              <a:ext cx="373671" cy="471054"/>
+              <a:off x="2977733" y="2110461"/>
+              <a:ext cx="251453" cy="237985"/>
             </a:xfrm>
             <a:prstGeom prst="diamond">
               <a:avLst/>
@@ -3899,7 +3899,7 @@
             <a:lstStyle/>
             <a:p>
               <a:pPr algn="ctr"/>
-              <a:endParaRPr lang="en-SG" dirty="0"/>
+              <a:endParaRPr lang="en-SG" sz="1200" dirty="0"/>
             </a:p>
           </p:txBody>
         </p:sp>
@@ -3921,8 +3921,8 @@
           </p:nvCxnSpPr>
           <p:spPr>
             <a:xfrm>
-              <a:off x="5145210" y="1563107"/>
-              <a:ext cx="0" cy="351190"/>
+              <a:off x="3103461" y="1200012"/>
+              <a:ext cx="0" cy="177428"/>
             </a:xfrm>
             <a:prstGeom prst="straightConnector1">
               <a:avLst/>
@@ -3963,8 +3963,8 @@
           </p:nvSpPr>
           <p:spPr>
             <a:xfrm>
-              <a:off x="3705251" y="-871687"/>
-              <a:ext cx="2879919" cy="1068066"/>
+              <a:off x="2134474" y="-30090"/>
+              <a:ext cx="1937975" cy="539607"/>
             </a:xfrm>
             <a:prstGeom prst="roundRect">
               <a:avLst/>
@@ -4000,7 +4000,7 @@
             <a:p>
               <a:pPr algn="ctr"/>
               <a:r>
-                <a:rPr lang="en-SG" dirty="0">
+                <a:rPr lang="en-SG" sz="1200" dirty="0">
                   <a:solidFill>
                     <a:schemeClr val="tx1"/>
                   </a:solidFill>
@@ -4024,8 +4024,8 @@
           </p:nvSpPr>
           <p:spPr>
             <a:xfrm>
-              <a:off x="3705250" y="495041"/>
-              <a:ext cx="2879919" cy="1068066"/>
+              <a:off x="2134473" y="660405"/>
+              <a:ext cx="1937975" cy="539607"/>
             </a:xfrm>
             <a:prstGeom prst="roundRect">
               <a:avLst/>
@@ -4061,14 +4061,14 @@
             <a:p>
               <a:pPr algn="ctr"/>
               <a:r>
-                <a:rPr lang="en-SG">
+                <a:rPr lang="en-SG" sz="1200">
                   <a:solidFill>
                     <a:schemeClr val="tx1"/>
                   </a:solidFill>
                 </a:rPr>
                 <a:t>Add data to expenseChartLabelData</a:t>
               </a:r>
-              <a:endParaRPr lang="en-SG" dirty="0">
+              <a:endParaRPr lang="en-SG" sz="1200" dirty="0">
                 <a:solidFill>
                   <a:schemeClr val="tx1"/>
                 </a:solidFill>
@@ -4094,8 +4094,8 @@
           </p:nvCxnSpPr>
           <p:spPr>
             <a:xfrm flipH="1">
-              <a:off x="5145210" y="196379"/>
-              <a:ext cx="1" cy="298662"/>
+              <a:off x="3103461" y="509516"/>
+              <a:ext cx="1" cy="150889"/>
             </a:xfrm>
             <a:prstGeom prst="straightConnector1">
               <a:avLst/>
@@ -4136,8 +4136,8 @@
           </p:nvSpPr>
           <p:spPr>
             <a:xfrm>
-              <a:off x="3705250" y="1914297"/>
-              <a:ext cx="2879919" cy="1068066"/>
+              <a:off x="2134473" y="1377440"/>
+              <a:ext cx="1937975" cy="539607"/>
             </a:xfrm>
             <a:prstGeom prst="roundRect">
               <a:avLst/>
@@ -4173,7 +4173,7 @@
             <a:p>
               <a:pPr algn="ctr"/>
               <a:r>
-                <a:rPr lang="en-SG" dirty="0">
+                <a:rPr lang="en-SG" sz="1200" dirty="0">
                   <a:solidFill>
                     <a:schemeClr val="tx1"/>
                   </a:solidFill>
@@ -4181,14 +4181,14 @@
                 <a:t>Add data to </a:t>
               </a:r>
               <a:r>
-                <a:rPr lang="en-SG" dirty="0" err="1">
+                <a:rPr lang="en-SG" sz="1200" dirty="0" err="1">
                   <a:solidFill>
                     <a:schemeClr val="tx1"/>
                   </a:solidFill>
                 </a:rPr>
                 <a:t>incomeChartLabelData</a:t>
               </a:r>
-              <a:endParaRPr lang="en-SG" dirty="0">
+              <a:endParaRPr lang="en-SG" sz="1200" dirty="0">
                 <a:solidFill>
                   <a:schemeClr val="tx1"/>
                 </a:solidFill>
@@ -4214,8 +4214,8 @@
           </p:nvCxnSpPr>
           <p:spPr>
             <a:xfrm flipH="1">
-              <a:off x="5145209" y="2982363"/>
-              <a:ext cx="1" cy="382835"/>
+              <a:off x="3103460" y="1917046"/>
+              <a:ext cx="1" cy="193415"/>
             </a:xfrm>
             <a:prstGeom prst="straightConnector1">
               <a:avLst/>
@@ -4260,8 +4260,8 @@
           </p:nvCxnSpPr>
           <p:spPr>
             <a:xfrm>
-              <a:off x="5145209" y="3836252"/>
-              <a:ext cx="1" cy="596069"/>
+              <a:off x="3103460" y="2348447"/>
+              <a:ext cx="1" cy="301145"/>
             </a:xfrm>
             <a:prstGeom prst="straightConnector1">
               <a:avLst/>
@@ -4302,8 +4302,8 @@
           </p:nvSpPr>
           <p:spPr>
             <a:xfrm>
-              <a:off x="3705250" y="4432321"/>
-              <a:ext cx="2879919" cy="1068066"/>
+              <a:off x="2134473" y="2649592"/>
+              <a:ext cx="1937975" cy="539607"/>
             </a:xfrm>
             <a:prstGeom prst="roundRect">
               <a:avLst/>
@@ -4339,7 +4339,7 @@
             <a:p>
               <a:pPr algn="ctr"/>
               <a:r>
-                <a:rPr lang="en-SG" dirty="0">
+                <a:rPr lang="en-SG" sz="1200" dirty="0">
                   <a:solidFill>
                     <a:schemeClr val="tx1"/>
                   </a:solidFill>
@@ -4347,14 +4347,14 @@
                 <a:t>Loop through </a:t>
               </a:r>
               <a:r>
-                <a:rPr lang="en-SG" dirty="0" err="1">
+                <a:rPr lang="en-SG" sz="1200" dirty="0" err="1">
                   <a:solidFill>
                     <a:schemeClr val="tx1"/>
                   </a:solidFill>
                 </a:rPr>
                 <a:t>expenseChartLabelData</a:t>
               </a:r>
-              <a:endParaRPr lang="en-SG" dirty="0">
+              <a:endParaRPr lang="en-SG" sz="1200" dirty="0">
                 <a:solidFill>
                   <a:schemeClr val="tx1"/>
                 </a:solidFill>
@@ -4376,8 +4376,8 @@
           </p:nvSpPr>
           <p:spPr>
             <a:xfrm>
-              <a:off x="3705250" y="6019356"/>
-              <a:ext cx="2879919" cy="1068066"/>
+              <a:off x="2134473" y="3451391"/>
+              <a:ext cx="1937975" cy="539607"/>
             </a:xfrm>
             <a:prstGeom prst="roundRect">
               <a:avLst/>
@@ -4413,7 +4413,7 @@
             <a:p>
               <a:pPr algn="ctr"/>
               <a:r>
-                <a:rPr lang="en-SG" dirty="0">
+                <a:rPr lang="en-SG" sz="1200" dirty="0">
                   <a:solidFill>
                     <a:schemeClr val="tx1"/>
                   </a:solidFill>
@@ -4421,14 +4421,14 @@
                 <a:t>Convert each data to percentages and store in </a:t>
               </a:r>
               <a:r>
-                <a:rPr lang="en-SG" dirty="0" err="1">
+                <a:rPr lang="en-SG" sz="1200" dirty="0" err="1">
                   <a:solidFill>
                     <a:schemeClr val="tx1"/>
                   </a:solidFill>
                 </a:rPr>
                 <a:t>expenseChartLegendData</a:t>
               </a:r>
-              <a:endParaRPr lang="en-SG" dirty="0">
+              <a:endParaRPr lang="en-SG" sz="1200" dirty="0">
                 <a:solidFill>
                   <a:schemeClr val="tx1"/>
                 </a:solidFill>
@@ -4454,8 +4454,8 @@
           </p:nvCxnSpPr>
           <p:spPr>
             <a:xfrm>
-              <a:off x="5145210" y="5500387"/>
-              <a:ext cx="0" cy="518969"/>
+              <a:off x="3103461" y="3189198"/>
+              <a:ext cx="0" cy="262192"/>
             </a:xfrm>
             <a:prstGeom prst="straightConnector1">
               <a:avLst/>
@@ -4496,8 +4496,8 @@
           </p:nvSpPr>
           <p:spPr>
             <a:xfrm>
-              <a:off x="4958373" y="7606391"/>
-              <a:ext cx="373671" cy="471054"/>
+              <a:off x="2977733" y="4253190"/>
+              <a:ext cx="251453" cy="237985"/>
             </a:xfrm>
             <a:prstGeom prst="diamond">
               <a:avLst/>
@@ -4532,7 +4532,7 @@
             <a:lstStyle/>
             <a:p>
               <a:pPr algn="ctr"/>
-              <a:endParaRPr lang="en-SG" dirty="0"/>
+              <a:endParaRPr lang="en-SG" sz="1200" dirty="0"/>
             </a:p>
           </p:txBody>
         </p:sp>
@@ -4550,8 +4550,8 @@
           </p:nvSpPr>
           <p:spPr>
             <a:xfrm>
-              <a:off x="3705250" y="8605108"/>
-              <a:ext cx="2879919" cy="1068066"/>
+              <a:off x="2134473" y="4757760"/>
+              <a:ext cx="1937975" cy="539607"/>
             </a:xfrm>
             <a:prstGeom prst="roundRect">
               <a:avLst/>
@@ -4587,7 +4587,7 @@
             <a:p>
               <a:pPr algn="ctr"/>
               <a:r>
-                <a:rPr lang="en-SG" dirty="0">
+                <a:rPr lang="en-SG" sz="1200" dirty="0">
                   <a:solidFill>
                     <a:schemeClr val="tx1"/>
                   </a:solidFill>
@@ -4595,14 +4595,14 @@
                 <a:t>Loop through </a:t>
               </a:r>
               <a:r>
-                <a:rPr lang="en-SG" dirty="0" err="1">
+                <a:rPr lang="en-SG" sz="1200" dirty="0" err="1">
                   <a:solidFill>
                     <a:schemeClr val="tx1"/>
                   </a:solidFill>
                 </a:rPr>
                 <a:t>incomeChartLabelData</a:t>
               </a:r>
-              <a:endParaRPr lang="en-SG" dirty="0">
+              <a:endParaRPr lang="en-SG" sz="1200" dirty="0">
                 <a:solidFill>
                   <a:schemeClr val="tx1"/>
                 </a:solidFill>
@@ -4624,8 +4624,8 @@
           </p:nvSpPr>
           <p:spPr>
             <a:xfrm>
-              <a:off x="3705250" y="10192143"/>
-              <a:ext cx="2879919" cy="1068066"/>
+              <a:off x="2134473" y="5559559"/>
+              <a:ext cx="1937975" cy="539607"/>
             </a:xfrm>
             <a:prstGeom prst="roundRect">
               <a:avLst/>
@@ -4661,7 +4661,7 @@
             <a:p>
               <a:pPr algn="ctr"/>
               <a:r>
-                <a:rPr lang="en-SG" dirty="0">
+                <a:rPr lang="en-SG" sz="1200" dirty="0">
                   <a:solidFill>
                     <a:schemeClr val="tx1"/>
                   </a:solidFill>
@@ -4669,14 +4669,14 @@
                 <a:t>Convert each data to percentages and store in </a:t>
               </a:r>
               <a:r>
-                <a:rPr lang="en-SG" dirty="0" err="1">
+                <a:rPr lang="en-SG" sz="1200" dirty="0" err="1">
                   <a:solidFill>
                     <a:schemeClr val="tx1"/>
                   </a:solidFill>
                 </a:rPr>
                 <a:t>incomeChartLegendData</a:t>
               </a:r>
-              <a:endParaRPr lang="en-SG" dirty="0">
+              <a:endParaRPr lang="en-SG" sz="1200" dirty="0">
                 <a:solidFill>
                   <a:schemeClr val="tx1"/>
                 </a:solidFill>
@@ -4702,8 +4702,8 @@
           </p:nvCxnSpPr>
           <p:spPr>
             <a:xfrm>
-              <a:off x="5145210" y="9673174"/>
-              <a:ext cx="0" cy="518969"/>
+              <a:off x="3103461" y="5297367"/>
+              <a:ext cx="0" cy="262192"/>
             </a:xfrm>
             <a:prstGeom prst="straightConnector1">
               <a:avLst/>
@@ -4744,8 +4744,8 @@
           </p:nvSpPr>
           <p:spPr>
             <a:xfrm>
-              <a:off x="4958373" y="11779178"/>
-              <a:ext cx="373671" cy="471054"/>
+              <a:off x="2977733" y="6361359"/>
+              <a:ext cx="251453" cy="237985"/>
             </a:xfrm>
             <a:prstGeom prst="diamond">
               <a:avLst/>
@@ -4780,7 +4780,7 @@
             <a:lstStyle/>
             <a:p>
               <a:pPr algn="ctr"/>
-              <a:endParaRPr lang="en-SG" dirty="0"/>
+              <a:endParaRPr lang="en-SG" sz="1200" dirty="0"/>
             </a:p>
           </p:txBody>
         </p:sp>
@@ -4802,8 +4802,8 @@
           </p:nvCxnSpPr>
           <p:spPr>
             <a:xfrm flipH="1">
-              <a:off x="5145209" y="7087422"/>
-              <a:ext cx="1" cy="518969"/>
+              <a:off x="3103460" y="3990997"/>
+              <a:ext cx="1" cy="262192"/>
             </a:xfrm>
             <a:prstGeom prst="straightConnector1">
               <a:avLst/>
@@ -4848,8 +4848,8 @@
           </p:nvCxnSpPr>
           <p:spPr>
             <a:xfrm>
-              <a:off x="5145209" y="8077445"/>
-              <a:ext cx="1" cy="527663"/>
+              <a:off x="3103460" y="4491175"/>
+              <a:ext cx="1" cy="266585"/>
             </a:xfrm>
             <a:prstGeom prst="straightConnector1">
               <a:avLst/>
@@ -4890,8 +4890,8 @@
           </p:nvSpPr>
           <p:spPr>
             <a:xfrm>
-              <a:off x="2265922" y="7436789"/>
-              <a:ext cx="2692450" cy="369332"/>
+              <a:off x="1160783" y="4098814"/>
+              <a:ext cx="1811822" cy="276999"/>
             </a:xfrm>
             <a:prstGeom prst="rect">
               <a:avLst/>
@@ -4905,7 +4905,7 @@
             <a:lstStyle/>
             <a:p>
               <a:r>
-                <a:rPr lang="en-SG" dirty="0"/>
+                <a:rPr lang="en-SG" sz="1200" dirty="0"/>
                 <a:t>[not all data processed]</a:t>
               </a:r>
             </a:p>
@@ -4925,8 +4925,8 @@
           </p:nvSpPr>
           <p:spPr>
             <a:xfrm>
-              <a:off x="5347284" y="11787485"/>
-              <a:ext cx="2692450" cy="369332"/>
+              <a:off x="3044296" y="6612860"/>
+              <a:ext cx="1811822" cy="276999"/>
             </a:xfrm>
             <a:prstGeom prst="rect">
               <a:avLst/>
@@ -4940,7 +4940,7 @@
             <a:lstStyle/>
             <a:p>
               <a:r>
-                <a:rPr lang="en-SG" dirty="0"/>
+                <a:rPr lang="en-SG" sz="1200" dirty="0"/>
                 <a:t>[else]</a:t>
               </a:r>
             </a:p>
@@ -4964,8 +4964,8 @@
           </p:nvCxnSpPr>
           <p:spPr>
             <a:xfrm flipH="1">
-              <a:off x="5145209" y="11260209"/>
-              <a:ext cx="1" cy="518969"/>
+              <a:off x="3103460" y="6099166"/>
+              <a:ext cx="1" cy="262192"/>
             </a:xfrm>
             <a:prstGeom prst="straightConnector1">
               <a:avLst/>
@@ -5010,8 +5010,8 @@
           </p:nvCxnSpPr>
           <p:spPr>
             <a:xfrm rot="10800000">
-              <a:off x="3705251" y="-337653"/>
-              <a:ext cx="1253122" cy="3938379"/>
+              <a:off x="2134474" y="239713"/>
+              <a:ext cx="843259" cy="1989741"/>
             </a:xfrm>
             <a:prstGeom prst="bentConnector3">
               <a:avLst>
@@ -5054,8 +5054,8 @@
           </p:nvSpPr>
           <p:spPr>
             <a:xfrm>
-              <a:off x="2540684" y="3173780"/>
-              <a:ext cx="2692450" cy="369332"/>
+              <a:off x="1350805" y="2013753"/>
+              <a:ext cx="1811822" cy="276999"/>
             </a:xfrm>
             <a:prstGeom prst="rect">
               <a:avLst/>
@@ -5069,7 +5069,7 @@
             <a:lstStyle/>
             <a:p>
               <a:r>
-                <a:rPr lang="en-SG" dirty="0"/>
+                <a:rPr lang="en-SG" sz="1200" dirty="0"/>
                 <a:t>[not all data processed]</a:t>
               </a:r>
             </a:p>
@@ -5093,8 +5093,8 @@
           </p:nvCxnSpPr>
           <p:spPr>
             <a:xfrm rot="10800000">
-              <a:off x="3705251" y="4966354"/>
-              <a:ext cx="1253123" cy="2875564"/>
+              <a:off x="2134474" y="2919395"/>
+              <a:ext cx="843260" cy="1452787"/>
             </a:xfrm>
             <a:prstGeom prst="bentConnector3">
               <a:avLst>
@@ -5137,8 +5137,8 @@
           </p:nvSpPr>
           <p:spPr>
             <a:xfrm>
-              <a:off x="5238944" y="8152263"/>
-              <a:ext cx="857052" cy="369332"/>
+              <a:off x="3103459" y="4491174"/>
+              <a:ext cx="576733" cy="276999"/>
             </a:xfrm>
             <a:prstGeom prst="rect">
               <a:avLst/>
@@ -5152,7 +5152,7 @@
             <a:lstStyle/>
             <a:p>
               <a:r>
-                <a:rPr lang="en-SG" dirty="0"/>
+                <a:rPr lang="en-SG" sz="1200" dirty="0"/>
                 <a:t>[else]</a:t>
               </a:r>
             </a:p>
@@ -5176,8 +5176,8 @@
           </p:nvCxnSpPr>
           <p:spPr>
             <a:xfrm rot="10800000">
-              <a:off x="3705251" y="9139141"/>
-              <a:ext cx="1253123" cy="2875564"/>
+              <a:off x="2134474" y="5027563"/>
+              <a:ext cx="843260" cy="1452787"/>
             </a:xfrm>
             <a:prstGeom prst="bentConnector3">
               <a:avLst>
@@ -5220,8 +5220,8 @@
           </p:nvSpPr>
           <p:spPr>
             <a:xfrm>
-              <a:off x="2258303" y="11642184"/>
-              <a:ext cx="2692450" cy="369332"/>
+              <a:off x="1155655" y="6203351"/>
+              <a:ext cx="1811822" cy="276999"/>
             </a:xfrm>
             <a:prstGeom prst="rect">
               <a:avLst/>
@@ -5235,7 +5235,7 @@
             <a:lstStyle/>
             <a:p>
               <a:r>
-                <a:rPr lang="en-SG" dirty="0"/>
+                <a:rPr lang="en-SG" sz="1200" dirty="0"/>
                 <a:t>[not all data processed]</a:t>
               </a:r>
             </a:p>
@@ -5259,8 +5259,8 @@
           </p:nvCxnSpPr>
           <p:spPr>
             <a:xfrm flipH="1">
-              <a:off x="5145208" y="12250232"/>
-              <a:ext cx="1" cy="312324"/>
+              <a:off x="3103459" y="6599344"/>
+              <a:ext cx="1" cy="689500"/>
             </a:xfrm>
             <a:prstGeom prst="straightConnector1">
               <a:avLst/>

--- a/docs/diagrams/StatisticUiActivityDiagram.pptx
+++ b/docs/diagrams/StatisticUiActivityDiagram.pptx
@@ -261,7 +261,7 @@
           <a:p>
             <a:fld id="{542F47FF-5056-41FF-A1F8-23A414798AA4}" type="datetimeFigureOut">
               <a:rPr lang="en-SG" smtClean="0"/>
-              <a:t>4/11/2018</a:t>
+              <a:t>11/11/2018</a:t>
             </a:fld>
             <a:endParaRPr lang="en-SG"/>
           </a:p>
@@ -461,7 +461,7 @@
           <a:p>
             <a:fld id="{542F47FF-5056-41FF-A1F8-23A414798AA4}" type="datetimeFigureOut">
               <a:rPr lang="en-SG" smtClean="0"/>
-              <a:t>4/11/2018</a:t>
+              <a:t>11/11/2018</a:t>
             </a:fld>
             <a:endParaRPr lang="en-SG"/>
           </a:p>
@@ -671,7 +671,7 @@
           <a:p>
             <a:fld id="{542F47FF-5056-41FF-A1F8-23A414798AA4}" type="datetimeFigureOut">
               <a:rPr lang="en-SG" smtClean="0"/>
-              <a:t>4/11/2018</a:t>
+              <a:t>11/11/2018</a:t>
             </a:fld>
             <a:endParaRPr lang="en-SG"/>
           </a:p>
@@ -871,7 +871,7 @@
           <a:p>
             <a:fld id="{542F47FF-5056-41FF-A1F8-23A414798AA4}" type="datetimeFigureOut">
               <a:rPr lang="en-SG" smtClean="0"/>
-              <a:t>4/11/2018</a:t>
+              <a:t>11/11/2018</a:t>
             </a:fld>
             <a:endParaRPr lang="en-SG"/>
           </a:p>
@@ -1147,7 +1147,7 @@
           <a:p>
             <a:fld id="{542F47FF-5056-41FF-A1F8-23A414798AA4}" type="datetimeFigureOut">
               <a:rPr lang="en-SG" smtClean="0"/>
-              <a:t>4/11/2018</a:t>
+              <a:t>11/11/2018</a:t>
             </a:fld>
             <a:endParaRPr lang="en-SG"/>
           </a:p>
@@ -1415,7 +1415,7 @@
           <a:p>
             <a:fld id="{542F47FF-5056-41FF-A1F8-23A414798AA4}" type="datetimeFigureOut">
               <a:rPr lang="en-SG" smtClean="0"/>
-              <a:t>4/11/2018</a:t>
+              <a:t>11/11/2018</a:t>
             </a:fld>
             <a:endParaRPr lang="en-SG"/>
           </a:p>
@@ -1830,7 +1830,7 @@
           <a:p>
             <a:fld id="{542F47FF-5056-41FF-A1F8-23A414798AA4}" type="datetimeFigureOut">
               <a:rPr lang="en-SG" smtClean="0"/>
-              <a:t>4/11/2018</a:t>
+              <a:t>11/11/2018</a:t>
             </a:fld>
             <a:endParaRPr lang="en-SG"/>
           </a:p>
@@ -1972,7 +1972,7 @@
           <a:p>
             <a:fld id="{542F47FF-5056-41FF-A1F8-23A414798AA4}" type="datetimeFigureOut">
               <a:rPr lang="en-SG" smtClean="0"/>
-              <a:t>4/11/2018</a:t>
+              <a:t>11/11/2018</a:t>
             </a:fld>
             <a:endParaRPr lang="en-SG"/>
           </a:p>
@@ -2085,7 +2085,7 @@
           <a:p>
             <a:fld id="{542F47FF-5056-41FF-A1F8-23A414798AA4}" type="datetimeFigureOut">
               <a:rPr lang="en-SG" smtClean="0"/>
-              <a:t>4/11/2018</a:t>
+              <a:t>11/11/2018</a:t>
             </a:fld>
             <a:endParaRPr lang="en-SG"/>
           </a:p>
@@ -2398,7 +2398,7 @@
           <a:p>
             <a:fld id="{542F47FF-5056-41FF-A1F8-23A414798AA4}" type="datetimeFigureOut">
               <a:rPr lang="en-SG" smtClean="0"/>
-              <a:t>4/11/2018</a:t>
+              <a:t>11/11/2018</a:t>
             </a:fld>
             <a:endParaRPr lang="en-SG"/>
           </a:p>
@@ -2687,7 +2687,7 @@
           <a:p>
             <a:fld id="{542F47FF-5056-41FF-A1F8-23A414798AA4}" type="datetimeFigureOut">
               <a:rPr lang="en-SG" smtClean="0"/>
-              <a:t>4/11/2018</a:t>
+              <a:t>11/11/2018</a:t>
             </a:fld>
             <a:endParaRPr lang="en-SG"/>
           </a:p>
@@ -2930,7 +2930,7 @@
           <a:p>
             <a:fld id="{542F47FF-5056-41FF-A1F8-23A414798AA4}" type="datetimeFigureOut">
               <a:rPr lang="en-SG" smtClean="0"/>
-              <a:t>4/11/2018</a:t>
+              <a:t>11/11/2018</a:t>
             </a:fld>
             <a:endParaRPr lang="en-SG"/>
           </a:p>
@@ -3347,12 +3347,276 @@
           <a:chExt cx="0" cy="0"/>
         </a:xfrm>
       </p:grpSpPr>
+      <p:sp>
+        <p:nvSpPr>
+          <p:cNvPr id="190" name="Rectangle: Rounded Corners 189">
+            <a:extLst>
+              <a:ext uri="{FF2B5EF4-FFF2-40B4-BE49-F238E27FC236}">
+                <a16:creationId xmlns:a16="http://schemas.microsoft.com/office/drawing/2014/main" id="{4E97D203-C4DE-4CFF-94A0-B2468AE8961C}"/>
+              </a:ext>
+            </a:extLst>
+          </p:cNvPr>
+          <p:cNvSpPr/>
+          <p:nvPr/>
+        </p:nvSpPr>
+        <p:spPr>
+          <a:xfrm rot="16200000">
+            <a:off x="4108441" y="-6791753"/>
+            <a:ext cx="3779523" cy="19184640"/>
+          </a:xfrm>
+          <a:prstGeom prst="roundRect">
+            <a:avLst/>
+          </a:prstGeom>
+          <a:solidFill>
+            <a:srgbClr val="BFDDAB"/>
+          </a:solidFill>
+        </p:spPr>
+        <p:style>
+          <a:lnRef idx="2">
+            <a:schemeClr val="accent6">
+              <a:shade val="50000"/>
+            </a:schemeClr>
+          </a:lnRef>
+          <a:fillRef idx="1">
+            <a:schemeClr val="accent6"/>
+          </a:fillRef>
+          <a:effectRef idx="0">
+            <a:schemeClr val="accent6"/>
+          </a:effectRef>
+          <a:fontRef idx="minor">
+            <a:schemeClr val="lt1"/>
+          </a:fontRef>
+        </p:style>
+        <p:txBody>
+          <a:bodyPr rtlCol="0" anchor="ctr"/>
+          <a:lstStyle/>
+          <a:p>
+            <a:pPr algn="ctr"/>
+            <a:endParaRPr lang="en-SG" sz="1200"/>
+          </a:p>
+        </p:txBody>
+      </p:sp>
+      <p:sp>
+        <p:nvSpPr>
+          <p:cNvPr id="5" name="Oval 4">
+            <a:extLst>
+              <a:ext uri="{FF2B5EF4-FFF2-40B4-BE49-F238E27FC236}">
+                <a16:creationId xmlns:a16="http://schemas.microsoft.com/office/drawing/2014/main" id="{53F596FB-9D99-4033-929D-9A06BB47631B}"/>
+              </a:ext>
+            </a:extLst>
+          </p:cNvPr>
+          <p:cNvSpPr/>
+          <p:nvPr/>
+        </p:nvSpPr>
+        <p:spPr>
+          <a:xfrm rot="16200000">
+            <a:off x="-3608862" y="2502370"/>
+            <a:ext cx="118331" cy="88841"/>
+          </a:xfrm>
+          <a:prstGeom prst="ellipse">
+            <a:avLst/>
+          </a:prstGeom>
+          <a:solidFill>
+            <a:srgbClr val="92D050"/>
+          </a:solidFill>
+          <a:ln>
+            <a:solidFill>
+              <a:srgbClr val="00B050"/>
+            </a:solidFill>
+          </a:ln>
+        </p:spPr>
+        <p:style>
+          <a:lnRef idx="2">
+            <a:schemeClr val="accent1">
+              <a:shade val="50000"/>
+            </a:schemeClr>
+          </a:lnRef>
+          <a:fillRef idx="1">
+            <a:schemeClr val="accent1"/>
+          </a:fillRef>
+          <a:effectRef idx="0">
+            <a:schemeClr val="accent1"/>
+          </a:effectRef>
+          <a:fontRef idx="minor">
+            <a:schemeClr val="lt1"/>
+          </a:fontRef>
+        </p:style>
+        <p:txBody>
+          <a:bodyPr rtlCol="0" anchor="ctr"/>
+          <a:lstStyle/>
+          <a:p>
+            <a:pPr algn="ctr"/>
+            <a:endParaRPr lang="en-SG" sz="1200"/>
+          </a:p>
+        </p:txBody>
+      </p:sp>
+      <p:sp>
+        <p:nvSpPr>
+          <p:cNvPr id="10" name="Rectangle: Rounded Corners 9">
+            <a:extLst>
+              <a:ext uri="{FF2B5EF4-FFF2-40B4-BE49-F238E27FC236}">
+                <a16:creationId xmlns:a16="http://schemas.microsoft.com/office/drawing/2014/main" id="{6509533C-D7CE-4673-8BD7-FFED436F6D72}"/>
+              </a:ext>
+            </a:extLst>
+          </p:cNvPr>
+          <p:cNvSpPr/>
+          <p:nvPr/>
+        </p:nvSpPr>
+        <p:spPr>
+          <a:xfrm>
+            <a:off x="-3132825" y="1592580"/>
+            <a:ext cx="1526005" cy="1907239"/>
+          </a:xfrm>
+          <a:prstGeom prst="roundRect">
+            <a:avLst/>
+          </a:prstGeom>
+          <a:solidFill>
+            <a:srgbClr val="92D050"/>
+          </a:solidFill>
+          <a:ln w="19050">
+            <a:solidFill>
+              <a:schemeClr val="tx1"/>
+            </a:solidFill>
+          </a:ln>
+        </p:spPr>
+        <p:style>
+          <a:lnRef idx="2">
+            <a:schemeClr val="accent5">
+              <a:shade val="50000"/>
+            </a:schemeClr>
+          </a:lnRef>
+          <a:fillRef idx="1">
+            <a:schemeClr val="accent5"/>
+          </a:fillRef>
+          <a:effectRef idx="0">
+            <a:schemeClr val="accent5"/>
+          </a:effectRef>
+          <a:fontRef idx="minor">
+            <a:schemeClr val="lt1"/>
+          </a:fontRef>
+        </p:style>
+        <p:txBody>
+          <a:bodyPr rtlCol="0" anchor="ctr"/>
+          <a:lstStyle/>
+          <a:p>
+            <a:pPr algn="ctr"/>
+            <a:r>
+              <a:rPr lang="en-SG" sz="1200" dirty="0">
+                <a:solidFill>
+                  <a:schemeClr val="tx1"/>
+                </a:solidFill>
+              </a:rPr>
+              <a:t>Create 2 new arrays, </a:t>
+            </a:r>
+            <a:r>
+              <a:rPr lang="en-SG" sz="1200" dirty="0" err="1">
+                <a:solidFill>
+                  <a:schemeClr val="tx1"/>
+                </a:solidFill>
+              </a:rPr>
+              <a:t>expenseChartLabelData</a:t>
+            </a:r>
+            <a:r>
+              <a:rPr lang="en-SG" sz="1200" dirty="0">
+                <a:solidFill>
+                  <a:schemeClr val="tx1"/>
+                </a:solidFill>
+              </a:rPr>
+              <a:t> and </a:t>
+            </a:r>
+            <a:r>
+              <a:rPr lang="en-SG" sz="1200" dirty="0" err="1">
+                <a:solidFill>
+                  <a:schemeClr val="tx1"/>
+                </a:solidFill>
+              </a:rPr>
+              <a:t>incomeChartLabelData</a:t>
+            </a:r>
+            <a:endParaRPr lang="en-SG" sz="1200" dirty="0">
+              <a:solidFill>
+                <a:schemeClr val="tx1"/>
+              </a:solidFill>
+            </a:endParaRPr>
+          </a:p>
+        </p:txBody>
+      </p:sp>
+      <p:sp>
+        <p:nvSpPr>
+          <p:cNvPr id="49" name="TextBox 48">
+            <a:extLst>
+              <a:ext uri="{FF2B5EF4-FFF2-40B4-BE49-F238E27FC236}">
+                <a16:creationId xmlns:a16="http://schemas.microsoft.com/office/drawing/2014/main" id="{F7748B03-B310-402A-A1F0-1E3C053EBF73}"/>
+              </a:ext>
+            </a:extLst>
+          </p:cNvPr>
+          <p:cNvSpPr txBox="1"/>
+          <p:nvPr/>
+        </p:nvSpPr>
+        <p:spPr>
+          <a:xfrm>
+            <a:off x="3968127" y="2236025"/>
+            <a:ext cx="623212" cy="276999"/>
+          </a:xfrm>
+          <a:prstGeom prst="rect">
+            <a:avLst/>
+          </a:prstGeom>
+          <a:noFill/>
+        </p:spPr>
+        <p:txBody>
+          <a:bodyPr wrap="square" rtlCol="0">
+            <a:spAutoFit/>
+          </a:bodyPr>
+          <a:lstStyle/>
+          <a:p>
+            <a:r>
+              <a:rPr lang="en-SG" sz="1200" dirty="0"/>
+              <a:t>[else]</a:t>
+            </a:r>
+          </a:p>
+        </p:txBody>
+      </p:sp>
+      <p:sp>
+        <p:nvSpPr>
+          <p:cNvPr id="130" name="TextBox 129">
+            <a:extLst>
+              <a:ext uri="{FF2B5EF4-FFF2-40B4-BE49-F238E27FC236}">
+                <a16:creationId xmlns:a16="http://schemas.microsoft.com/office/drawing/2014/main" id="{0A584B70-CC20-4F03-A066-CCEB4D02E1DA}"/>
+              </a:ext>
+            </a:extLst>
+          </p:cNvPr>
+          <p:cNvSpPr txBox="1"/>
+          <p:nvPr/>
+        </p:nvSpPr>
+        <p:spPr>
+          <a:xfrm>
+            <a:off x="-3319051" y="1113802"/>
+            <a:ext cx="2777082" cy="400110"/>
+          </a:xfrm>
+          <a:prstGeom prst="rect">
+            <a:avLst/>
+          </a:prstGeom>
+          <a:noFill/>
+        </p:spPr>
+        <p:txBody>
+          <a:bodyPr wrap="square" rtlCol="0">
+            <a:spAutoFit/>
+          </a:bodyPr>
+          <a:lstStyle/>
+          <a:p>
+            <a:r>
+              <a:rPr lang="en-SG" sz="2000" b="1" dirty="0" err="1"/>
+              <a:t>MixedPieChartDataList</a:t>
+            </a:r>
+            <a:endParaRPr lang="en-SG" sz="2000" b="1" dirty="0"/>
+          </a:p>
+        </p:txBody>
+      </p:sp>
       <p:grpSp>
         <p:nvGrpSpPr>
-          <p:cNvPr id="4" name="Group 3">
-            <a:extLst>
-              <a:ext uri="{FF2B5EF4-FFF2-40B4-BE49-F238E27FC236}">
-                <a16:creationId xmlns:a16="http://schemas.microsoft.com/office/drawing/2014/main" id="{84A9B98F-59F4-48A8-8302-AAB93F2E2545}"/>
+          <p:cNvPr id="186" name="Group 185">
+            <a:extLst>
+              <a:ext uri="{FF2B5EF4-FFF2-40B4-BE49-F238E27FC236}">
+                <a16:creationId xmlns:a16="http://schemas.microsoft.com/office/drawing/2014/main" id="{2D25E083-1001-4EE8-9E0B-24EFEBEAC810}"/>
               </a:ext>
             </a:extLst>
           </p:cNvPr>
@@ -3360,19 +3624,19 @@
           <p:nvPr/>
         </p:nvGrpSpPr>
         <p:grpSpPr>
-          <a:xfrm>
-            <a:off x="-1097279" y="-1127760"/>
-            <a:ext cx="8575039" cy="8517469"/>
-            <a:chOff x="-1097279" y="-1127760"/>
-            <a:chExt cx="8575039" cy="8517469"/>
+          <a:xfrm rot="16200000">
+            <a:off x="15292626" y="2500022"/>
+            <a:ext cx="111003" cy="100865"/>
+            <a:chOff x="11139178" y="4966354"/>
+            <a:chExt cx="199646" cy="199646"/>
           </a:xfrm>
         </p:grpSpPr>
         <p:sp>
           <p:nvSpPr>
-            <p:cNvPr id="190" name="Rectangle: Rounded Corners 189">
+            <p:cNvPr id="67" name="Oval 66">
               <a:extLst>
                 <a:ext uri="{FF2B5EF4-FFF2-40B4-BE49-F238E27FC236}">
-                  <a16:creationId xmlns:a16="http://schemas.microsoft.com/office/drawing/2014/main" id="{4E97D203-C4DE-4CFF-94A0-B2468AE8961C}"/>
+                  <a16:creationId xmlns:a16="http://schemas.microsoft.com/office/drawing/2014/main" id="{6B61ADC7-A5DC-4970-9736-79121415EF2F}"/>
                 </a:ext>
               </a:extLst>
             </p:cNvPr>
@@ -3381,67 +3645,16 @@
           </p:nvSpPr>
           <p:spPr>
             <a:xfrm>
-              <a:off x="-1097279" y="-882049"/>
-              <a:ext cx="8575039" cy="7771908"/>
-            </a:xfrm>
-            <a:prstGeom prst="roundRect">
-              <a:avLst/>
-            </a:prstGeom>
-            <a:solidFill>
-              <a:srgbClr val="BFDDAB"/>
-            </a:solidFill>
-          </p:spPr>
-          <p:style>
-            <a:lnRef idx="2">
-              <a:schemeClr val="accent6">
-                <a:shade val="50000"/>
-              </a:schemeClr>
-            </a:lnRef>
-            <a:fillRef idx="1">
-              <a:schemeClr val="accent6"/>
-            </a:fillRef>
-            <a:effectRef idx="0">
-              <a:schemeClr val="accent6"/>
-            </a:effectRef>
-            <a:fontRef idx="minor">
-              <a:schemeClr val="lt1"/>
-            </a:fontRef>
-          </p:style>
-          <p:txBody>
-            <a:bodyPr rtlCol="0" anchor="ctr"/>
-            <a:lstStyle/>
-            <a:p>
-              <a:pPr algn="ctr"/>
-              <a:endParaRPr lang="en-SG" sz="1200"/>
-            </a:p>
-          </p:txBody>
-        </p:sp>
-        <p:sp>
-          <p:nvSpPr>
-            <p:cNvPr id="5" name="Oval 4">
-              <a:extLst>
-                <a:ext uri="{FF2B5EF4-FFF2-40B4-BE49-F238E27FC236}">
-                  <a16:creationId xmlns:a16="http://schemas.microsoft.com/office/drawing/2014/main" id="{53F596FB-9D99-4033-929D-9A06BB47631B}"/>
-                </a:ext>
-              </a:extLst>
-            </p:cNvPr>
-            <p:cNvSpPr/>
-            <p:nvPr/>
-          </p:nvSpPr>
-          <p:spPr>
-            <a:xfrm>
-              <a:off x="3044296" y="-1127760"/>
-              <a:ext cx="118331" cy="88841"/>
+              <a:off x="11139178" y="4966354"/>
+              <a:ext cx="199646" cy="199646"/>
             </a:xfrm>
             <a:prstGeom prst="ellipse">
               <a:avLst/>
             </a:prstGeom>
-            <a:solidFill>
-              <a:srgbClr val="92D050"/>
-            </a:solidFill>
+            <a:noFill/>
             <a:ln>
               <a:solidFill>
-                <a:srgbClr val="00B050"/>
+                <a:schemeClr val="tx1"/>
               </a:solidFill>
             </a:ln>
           </p:spPr>
@@ -3472,10 +3685,10 @@
         </p:sp>
         <p:sp>
           <p:nvSpPr>
-            <p:cNvPr id="10" name="Rectangle: Rounded Corners 9">
+            <p:cNvPr id="68" name="Oval 67">
               <a:extLst>
                 <a:ext uri="{FF2B5EF4-FFF2-40B4-BE49-F238E27FC236}">
-                  <a16:creationId xmlns:a16="http://schemas.microsoft.com/office/drawing/2014/main" id="{6509533C-D7CE-4673-8BD7-FFED436F6D72}"/>
+                  <a16:creationId xmlns:a16="http://schemas.microsoft.com/office/drawing/2014/main" id="{B16E2EA8-BF14-490D-B23B-C6A2CC1B6862}"/>
                 </a:ext>
               </a:extLst>
             </p:cNvPr>
@@ -3484,389 +3697,10 @@
           </p:nvSpPr>
           <p:spPr>
             <a:xfrm>
-              <a:off x="2134474" y="-733856"/>
-              <a:ext cx="1937975" cy="539607"/>
+              <a:off x="11171679" y="4998855"/>
+              <a:ext cx="134643" cy="134643"/>
             </a:xfrm>
-            <a:prstGeom prst="roundRect">
-              <a:avLst/>
-            </a:prstGeom>
-            <a:solidFill>
-              <a:srgbClr val="92D050"/>
-            </a:solidFill>
-            <a:ln w="19050">
-              <a:solidFill>
-                <a:schemeClr val="tx1"/>
-              </a:solidFill>
-            </a:ln>
-          </p:spPr>
-          <p:style>
-            <a:lnRef idx="2">
-              <a:schemeClr val="accent5">
-                <a:shade val="50000"/>
-              </a:schemeClr>
-            </a:lnRef>
-            <a:fillRef idx="1">
-              <a:schemeClr val="accent5"/>
-            </a:fillRef>
-            <a:effectRef idx="0">
-              <a:schemeClr val="accent5"/>
-            </a:effectRef>
-            <a:fontRef idx="minor">
-              <a:schemeClr val="lt1"/>
-            </a:fontRef>
-          </p:style>
-          <p:txBody>
-            <a:bodyPr rtlCol="0" anchor="ctr"/>
-            <a:lstStyle/>
-            <a:p>
-              <a:pPr algn="ctr"/>
-              <a:r>
-                <a:rPr lang="en-SG" sz="1200" dirty="0">
-                  <a:solidFill>
-                    <a:schemeClr val="tx1"/>
-                  </a:solidFill>
-                </a:rPr>
-                <a:t>Create 2 new arrays, </a:t>
-              </a:r>
-              <a:r>
-                <a:rPr lang="en-SG" sz="1200" dirty="0" err="1">
-                  <a:solidFill>
-                    <a:schemeClr val="tx1"/>
-                  </a:solidFill>
-                </a:rPr>
-                <a:t>expenseChartLabelData</a:t>
-              </a:r>
-              <a:r>
-                <a:rPr lang="en-SG" sz="1200" dirty="0">
-                  <a:solidFill>
-                    <a:schemeClr val="tx1"/>
-                  </a:solidFill>
-                </a:rPr>
-                <a:t> and </a:t>
-              </a:r>
-              <a:r>
-                <a:rPr lang="en-SG" sz="1200" dirty="0" err="1">
-                  <a:solidFill>
-                    <a:schemeClr val="tx1"/>
-                  </a:solidFill>
-                </a:rPr>
-                <a:t>incomeChartLabelData</a:t>
-              </a:r>
-              <a:endParaRPr lang="en-SG" sz="1200" dirty="0">
-                <a:solidFill>
-                  <a:schemeClr val="tx1"/>
-                </a:solidFill>
-              </a:endParaRPr>
-            </a:p>
-          </p:txBody>
-        </p:sp>
-        <p:sp>
-          <p:nvSpPr>
-            <p:cNvPr id="49" name="TextBox 48">
-              <a:extLst>
-                <a:ext uri="{FF2B5EF4-FFF2-40B4-BE49-F238E27FC236}">
-                  <a16:creationId xmlns:a16="http://schemas.microsoft.com/office/drawing/2014/main" id="{F7748B03-B310-402A-A1F0-1E3C053EBF73}"/>
-                </a:ext>
-              </a:extLst>
-            </p:cNvPr>
-            <p:cNvSpPr txBox="1"/>
-            <p:nvPr/>
-          </p:nvSpPr>
-          <p:spPr>
-            <a:xfrm>
-              <a:off x="3239442" y="2390052"/>
-              <a:ext cx="1811822" cy="276999"/>
-            </a:xfrm>
-            <a:prstGeom prst="rect">
-              <a:avLst/>
-            </a:prstGeom>
-            <a:noFill/>
-          </p:spPr>
-          <p:txBody>
-            <a:bodyPr wrap="square" rtlCol="0">
-              <a:spAutoFit/>
-            </a:bodyPr>
-            <a:lstStyle/>
-            <a:p>
-              <a:r>
-                <a:rPr lang="en-SG" sz="1200" dirty="0"/>
-                <a:t>[else]</a:t>
-              </a:r>
-            </a:p>
-          </p:txBody>
-        </p:sp>
-        <p:sp>
-          <p:nvSpPr>
-            <p:cNvPr id="130" name="TextBox 129">
-              <a:extLst>
-                <a:ext uri="{FF2B5EF4-FFF2-40B4-BE49-F238E27FC236}">
-                  <a16:creationId xmlns:a16="http://schemas.microsoft.com/office/drawing/2014/main" id="{0A584B70-CC20-4F03-A066-CCEB4D02E1DA}"/>
-                </a:ext>
-              </a:extLst>
-            </p:cNvPr>
-            <p:cNvSpPr txBox="1"/>
-            <p:nvPr/>
-          </p:nvSpPr>
-          <p:spPr>
-            <a:xfrm>
-              <a:off x="-358890" y="-627322"/>
-              <a:ext cx="1709695" cy="276999"/>
-            </a:xfrm>
-            <a:prstGeom prst="rect">
-              <a:avLst/>
-            </a:prstGeom>
-            <a:noFill/>
-          </p:spPr>
-          <p:txBody>
-            <a:bodyPr wrap="square" rtlCol="0">
-              <a:spAutoFit/>
-            </a:bodyPr>
-            <a:lstStyle/>
-            <a:p>
-              <a:r>
-                <a:rPr lang="en-SG" sz="1200" b="1" dirty="0" err="1"/>
-                <a:t>MixedPieChartDataList</a:t>
-              </a:r>
-              <a:endParaRPr lang="en-SG" sz="1200" b="1" dirty="0"/>
-            </a:p>
-          </p:txBody>
-        </p:sp>
-        <p:grpSp>
-          <p:nvGrpSpPr>
-            <p:cNvPr id="186" name="Group 185">
-              <a:extLst>
-                <a:ext uri="{FF2B5EF4-FFF2-40B4-BE49-F238E27FC236}">
-                  <a16:creationId xmlns:a16="http://schemas.microsoft.com/office/drawing/2014/main" id="{2D25E083-1001-4EE8-9E0B-24EFEBEAC810}"/>
-                </a:ext>
-              </a:extLst>
-            </p:cNvPr>
-            <p:cNvGrpSpPr/>
-            <p:nvPr/>
-          </p:nvGrpSpPr>
-          <p:grpSpPr>
-            <a:xfrm>
-              <a:off x="3047957" y="7288844"/>
-              <a:ext cx="111003" cy="100865"/>
-              <a:chOff x="11139178" y="4966354"/>
-              <a:chExt cx="199646" cy="199646"/>
-            </a:xfrm>
-          </p:grpSpPr>
-          <p:sp>
-            <p:nvSpPr>
-              <p:cNvPr id="67" name="Oval 66">
-                <a:extLst>
-                  <a:ext uri="{FF2B5EF4-FFF2-40B4-BE49-F238E27FC236}">
-                    <a16:creationId xmlns:a16="http://schemas.microsoft.com/office/drawing/2014/main" id="{6B61ADC7-A5DC-4970-9736-79121415EF2F}"/>
-                  </a:ext>
-                </a:extLst>
-              </p:cNvPr>
-              <p:cNvSpPr/>
-              <p:nvPr/>
-            </p:nvSpPr>
-            <p:spPr>
-              <a:xfrm>
-                <a:off x="11139178" y="4966354"/>
-                <a:ext cx="199646" cy="199646"/>
-              </a:xfrm>
-              <a:prstGeom prst="ellipse">
-                <a:avLst/>
-              </a:prstGeom>
-              <a:noFill/>
-              <a:ln>
-                <a:solidFill>
-                  <a:schemeClr val="tx1"/>
-                </a:solidFill>
-              </a:ln>
-            </p:spPr>
-            <p:style>
-              <a:lnRef idx="2">
-                <a:schemeClr val="accent1">
-                  <a:shade val="50000"/>
-                </a:schemeClr>
-              </a:lnRef>
-              <a:fillRef idx="1">
-                <a:schemeClr val="accent1"/>
-              </a:fillRef>
-              <a:effectRef idx="0">
-                <a:schemeClr val="accent1"/>
-              </a:effectRef>
-              <a:fontRef idx="minor">
-                <a:schemeClr val="lt1"/>
-              </a:fontRef>
-            </p:style>
-            <p:txBody>
-              <a:bodyPr rtlCol="0" anchor="ctr"/>
-              <a:lstStyle/>
-              <a:p>
-                <a:pPr algn="ctr"/>
-                <a:endParaRPr lang="en-SG" sz="1200"/>
-              </a:p>
-            </p:txBody>
-          </p:sp>
-          <p:sp>
-            <p:nvSpPr>
-              <p:cNvPr id="68" name="Oval 67">
-                <a:extLst>
-                  <a:ext uri="{FF2B5EF4-FFF2-40B4-BE49-F238E27FC236}">
-                    <a16:creationId xmlns:a16="http://schemas.microsoft.com/office/drawing/2014/main" id="{B16E2EA8-BF14-490D-B23B-C6A2CC1B6862}"/>
-                  </a:ext>
-                </a:extLst>
-              </p:cNvPr>
-              <p:cNvSpPr/>
-              <p:nvPr/>
-            </p:nvSpPr>
-            <p:spPr>
-              <a:xfrm>
-                <a:off x="11171679" y="4998855"/>
-                <a:ext cx="134643" cy="134643"/>
-              </a:xfrm>
-              <a:prstGeom prst="ellipse">
-                <a:avLst/>
-              </a:prstGeom>
-              <a:solidFill>
-                <a:srgbClr val="00B050"/>
-              </a:solidFill>
-              <a:ln>
-                <a:solidFill>
-                  <a:schemeClr val="tx1"/>
-                </a:solidFill>
-              </a:ln>
-            </p:spPr>
-            <p:style>
-              <a:lnRef idx="2">
-                <a:schemeClr val="accent1">
-                  <a:shade val="50000"/>
-                </a:schemeClr>
-              </a:lnRef>
-              <a:fillRef idx="1">
-                <a:schemeClr val="accent1"/>
-              </a:fillRef>
-              <a:effectRef idx="0">
-                <a:schemeClr val="accent1"/>
-              </a:effectRef>
-              <a:fontRef idx="minor">
-                <a:schemeClr val="lt1"/>
-              </a:fontRef>
-            </p:style>
-            <p:txBody>
-              <a:bodyPr rtlCol="0" anchor="ctr"/>
-              <a:lstStyle/>
-              <a:p>
-                <a:pPr algn="ctr"/>
-                <a:endParaRPr lang="en-SG" sz="1200"/>
-              </a:p>
-            </p:txBody>
-          </p:sp>
-        </p:grpSp>
-        <p:cxnSp>
-          <p:nvCxnSpPr>
-            <p:cNvPr id="11" name="Straight Arrow Connector 10">
-              <a:extLst>
-                <a:ext uri="{FF2B5EF4-FFF2-40B4-BE49-F238E27FC236}">
-                  <a16:creationId xmlns:a16="http://schemas.microsoft.com/office/drawing/2014/main" id="{41BEAB69-646F-4102-B053-86BA5E104DB4}"/>
-                </a:ext>
-              </a:extLst>
-            </p:cNvPr>
-            <p:cNvCxnSpPr>
-              <a:stCxn id="5" idx="4"/>
-              <a:endCxn id="10" idx="0"/>
-            </p:cNvCxnSpPr>
-            <p:nvPr/>
-          </p:nvCxnSpPr>
-          <p:spPr>
-            <a:xfrm>
-              <a:off x="3103462" y="-1038919"/>
-              <a:ext cx="0" cy="305064"/>
-            </a:xfrm>
-            <a:prstGeom prst="straightConnector1">
-              <a:avLst/>
-            </a:prstGeom>
-            <a:ln w="19050">
-              <a:solidFill>
-                <a:srgbClr val="00B050"/>
-              </a:solidFill>
-              <a:tailEnd type="triangle"/>
-            </a:ln>
-          </p:spPr>
-          <p:style>
-            <a:lnRef idx="1">
-              <a:schemeClr val="accent1"/>
-            </a:lnRef>
-            <a:fillRef idx="0">
-              <a:schemeClr val="accent1"/>
-            </a:fillRef>
-            <a:effectRef idx="0">
-              <a:schemeClr val="accent1"/>
-            </a:effectRef>
-            <a:fontRef idx="minor">
-              <a:schemeClr val="tx1"/>
-            </a:fontRef>
-          </p:style>
-        </p:cxnSp>
-        <p:cxnSp>
-          <p:nvCxnSpPr>
-            <p:cNvPr id="72" name="Straight Arrow Connector 71">
-              <a:extLst>
-                <a:ext uri="{FF2B5EF4-FFF2-40B4-BE49-F238E27FC236}">
-                  <a16:creationId xmlns:a16="http://schemas.microsoft.com/office/drawing/2014/main" id="{496F5E50-054A-49AE-8115-4F1C6BF916E6}"/>
-                </a:ext>
-              </a:extLst>
-            </p:cNvPr>
-            <p:cNvCxnSpPr>
-              <a:cxnSpLocks/>
-              <a:stCxn id="10" idx="2"/>
-              <a:endCxn id="101" idx="0"/>
-            </p:cNvCxnSpPr>
-            <p:nvPr/>
-          </p:nvCxnSpPr>
-          <p:spPr>
-            <a:xfrm>
-              <a:off x="3103462" y="-194249"/>
-              <a:ext cx="0" cy="164159"/>
-            </a:xfrm>
-            <a:prstGeom prst="straightConnector1">
-              <a:avLst/>
-            </a:prstGeom>
-            <a:ln w="19050">
-              <a:solidFill>
-                <a:srgbClr val="00B050"/>
-              </a:solidFill>
-              <a:tailEnd type="triangle"/>
-            </a:ln>
-          </p:spPr>
-          <p:style>
-            <a:lnRef idx="1">
-              <a:schemeClr val="accent1"/>
-            </a:lnRef>
-            <a:fillRef idx="0">
-              <a:schemeClr val="accent1"/>
-            </a:fillRef>
-            <a:effectRef idx="0">
-              <a:schemeClr val="accent1"/>
-            </a:effectRef>
-            <a:fontRef idx="minor">
-              <a:schemeClr val="tx1"/>
-            </a:fontRef>
-          </p:style>
-        </p:cxnSp>
-        <p:sp>
-          <p:nvSpPr>
-            <p:cNvPr id="81" name="Diamond 80">
-              <a:extLst>
-                <a:ext uri="{FF2B5EF4-FFF2-40B4-BE49-F238E27FC236}">
-                  <a16:creationId xmlns:a16="http://schemas.microsoft.com/office/drawing/2014/main" id="{5095AA0E-4F2A-4EA4-8A65-532DDF54D049}"/>
-                </a:ext>
-              </a:extLst>
-            </p:cNvPr>
-            <p:cNvSpPr/>
-            <p:nvPr/>
-          </p:nvSpPr>
-          <p:spPr>
-            <a:xfrm>
-              <a:off x="2977733" y="2110461"/>
-              <a:ext cx="251453" cy="237985"/>
-            </a:xfrm>
-            <a:prstGeom prst="diamond">
+            <a:prstGeom prst="ellipse">
               <a:avLst/>
             </a:prstGeom>
             <a:solidFill>
@@ -3899,1395 +3733,1549 @@
             <a:lstStyle/>
             <a:p>
               <a:pPr algn="ctr"/>
-              <a:endParaRPr lang="en-SG" sz="1200" dirty="0"/>
+              <a:endParaRPr lang="en-SG" sz="1200"/>
             </a:p>
           </p:txBody>
         </p:sp>
-        <p:cxnSp>
-          <p:nvCxnSpPr>
-            <p:cNvPr id="82" name="Straight Arrow Connector 81">
-              <a:extLst>
-                <a:ext uri="{FF2B5EF4-FFF2-40B4-BE49-F238E27FC236}">
-                  <a16:creationId xmlns:a16="http://schemas.microsoft.com/office/drawing/2014/main" id="{50C10F66-D85F-4594-B0BC-ABD25C9FAB8B}"/>
-                </a:ext>
-              </a:extLst>
-            </p:cNvPr>
-            <p:cNvCxnSpPr>
-              <a:cxnSpLocks/>
-              <a:stCxn id="102" idx="2"/>
-              <a:endCxn id="120" idx="0"/>
-            </p:cNvCxnSpPr>
-            <p:nvPr/>
-          </p:nvCxnSpPr>
-          <p:spPr>
-            <a:xfrm>
-              <a:off x="3103461" y="1200012"/>
-              <a:ext cx="0" cy="177428"/>
-            </a:xfrm>
-            <a:prstGeom prst="straightConnector1">
-              <a:avLst/>
-            </a:prstGeom>
-            <a:ln w="19050">
-              <a:solidFill>
-                <a:srgbClr val="00B050"/>
-              </a:solidFill>
-              <a:tailEnd type="triangle"/>
-            </a:ln>
-          </p:spPr>
-          <p:style>
-            <a:lnRef idx="1">
-              <a:schemeClr val="accent1"/>
-            </a:lnRef>
-            <a:fillRef idx="0">
-              <a:schemeClr val="accent1"/>
-            </a:fillRef>
-            <a:effectRef idx="0">
-              <a:schemeClr val="accent1"/>
-            </a:effectRef>
-            <a:fontRef idx="minor">
+      </p:grpSp>
+      <p:cxnSp>
+        <p:nvCxnSpPr>
+          <p:cNvPr id="11" name="Straight Arrow Connector 10">
+            <a:extLst>
+              <a:ext uri="{FF2B5EF4-FFF2-40B4-BE49-F238E27FC236}">
+                <a16:creationId xmlns:a16="http://schemas.microsoft.com/office/drawing/2014/main" id="{41BEAB69-646F-4102-B053-86BA5E104DB4}"/>
+              </a:ext>
+            </a:extLst>
+          </p:cNvPr>
+          <p:cNvCxnSpPr>
+            <a:cxnSpLocks/>
+            <a:stCxn id="5" idx="4"/>
+            <a:endCxn id="10" idx="1"/>
+          </p:cNvCxnSpPr>
+          <p:nvPr/>
+        </p:nvCxnSpPr>
+        <p:spPr>
+          <a:xfrm flipV="1">
+            <a:off x="-3505276" y="2546200"/>
+            <a:ext cx="372451" cy="590"/>
+          </a:xfrm>
+          <a:prstGeom prst="straightConnector1">
+            <a:avLst/>
+          </a:prstGeom>
+          <a:ln w="19050">
+            <a:solidFill>
+              <a:srgbClr val="00B050"/>
+            </a:solidFill>
+            <a:tailEnd type="triangle"/>
+          </a:ln>
+        </p:spPr>
+        <p:style>
+          <a:lnRef idx="1">
+            <a:schemeClr val="accent1"/>
+          </a:lnRef>
+          <a:fillRef idx="0">
+            <a:schemeClr val="accent1"/>
+          </a:fillRef>
+          <a:effectRef idx="0">
+            <a:schemeClr val="accent1"/>
+          </a:effectRef>
+          <a:fontRef idx="minor">
+            <a:schemeClr val="tx1"/>
+          </a:fontRef>
+        </p:style>
+      </p:cxnSp>
+      <p:cxnSp>
+        <p:nvCxnSpPr>
+          <p:cNvPr id="72" name="Straight Arrow Connector 71">
+            <a:extLst>
+              <a:ext uri="{FF2B5EF4-FFF2-40B4-BE49-F238E27FC236}">
+                <a16:creationId xmlns:a16="http://schemas.microsoft.com/office/drawing/2014/main" id="{496F5E50-054A-49AE-8115-4F1C6BF916E6}"/>
+              </a:ext>
+            </a:extLst>
+          </p:cNvPr>
+          <p:cNvCxnSpPr>
+            <a:cxnSpLocks/>
+            <a:stCxn id="10" idx="3"/>
+            <a:endCxn id="101" idx="1"/>
+          </p:cNvCxnSpPr>
+          <p:nvPr/>
+        </p:nvCxnSpPr>
+        <p:spPr>
+          <a:xfrm>
+            <a:off x="-1606820" y="2546200"/>
+            <a:ext cx="845899" cy="0"/>
+          </a:xfrm>
+          <a:prstGeom prst="straightConnector1">
+            <a:avLst/>
+          </a:prstGeom>
+          <a:ln w="19050">
+            <a:solidFill>
+              <a:srgbClr val="00B050"/>
+            </a:solidFill>
+            <a:tailEnd type="triangle"/>
+          </a:ln>
+        </p:spPr>
+        <p:style>
+          <a:lnRef idx="1">
+            <a:schemeClr val="accent1"/>
+          </a:lnRef>
+          <a:fillRef idx="0">
+            <a:schemeClr val="accent1"/>
+          </a:fillRef>
+          <a:effectRef idx="0">
+            <a:schemeClr val="accent1"/>
+          </a:effectRef>
+          <a:fontRef idx="minor">
+            <a:schemeClr val="tx1"/>
+          </a:fontRef>
+        </p:style>
+      </p:cxnSp>
+      <p:sp>
+        <p:nvSpPr>
+          <p:cNvPr id="81" name="Diamond 80">
+            <a:extLst>
+              <a:ext uri="{FF2B5EF4-FFF2-40B4-BE49-F238E27FC236}">
+                <a16:creationId xmlns:a16="http://schemas.microsoft.com/office/drawing/2014/main" id="{5095AA0E-4F2A-4EA4-8A65-532DDF54D049}"/>
+              </a:ext>
+            </a:extLst>
+          </p:cNvPr>
+          <p:cNvSpPr/>
+          <p:nvPr/>
+        </p:nvSpPr>
+        <p:spPr>
+          <a:xfrm rot="16200000">
+            <a:off x="3786893" y="2422023"/>
+            <a:ext cx="251453" cy="237985"/>
+          </a:xfrm>
+          <a:prstGeom prst="diamond">
+            <a:avLst/>
+          </a:prstGeom>
+          <a:solidFill>
+            <a:srgbClr val="00B050"/>
+          </a:solidFill>
+          <a:ln>
+            <a:solidFill>
               <a:schemeClr val="tx1"/>
-            </a:fontRef>
-          </p:style>
-        </p:cxnSp>
-        <p:sp>
-          <p:nvSpPr>
-            <p:cNvPr id="101" name="Rectangle: Rounded Corners 100">
-              <a:extLst>
-                <a:ext uri="{FF2B5EF4-FFF2-40B4-BE49-F238E27FC236}">
-                  <a16:creationId xmlns:a16="http://schemas.microsoft.com/office/drawing/2014/main" id="{FA566E55-2795-4236-B416-C5178F5A8791}"/>
-                </a:ext>
-              </a:extLst>
-            </p:cNvPr>
-            <p:cNvSpPr/>
-            <p:nvPr/>
-          </p:nvSpPr>
-          <p:spPr>
-            <a:xfrm>
-              <a:off x="2134474" y="-30090"/>
-              <a:ext cx="1937975" cy="539607"/>
-            </a:xfrm>
-            <a:prstGeom prst="roundRect">
-              <a:avLst/>
-            </a:prstGeom>
+            </a:solidFill>
+          </a:ln>
+        </p:spPr>
+        <p:style>
+          <a:lnRef idx="2">
+            <a:schemeClr val="accent1">
+              <a:shade val="50000"/>
+            </a:schemeClr>
+          </a:lnRef>
+          <a:fillRef idx="1">
+            <a:schemeClr val="accent1"/>
+          </a:fillRef>
+          <a:effectRef idx="0">
+            <a:schemeClr val="accent1"/>
+          </a:effectRef>
+          <a:fontRef idx="minor">
+            <a:schemeClr val="lt1"/>
+          </a:fontRef>
+        </p:style>
+        <p:txBody>
+          <a:bodyPr rtlCol="0" anchor="ctr"/>
+          <a:lstStyle/>
+          <a:p>
+            <a:pPr algn="ctr"/>
+            <a:endParaRPr lang="en-SG" sz="1200" dirty="0"/>
+          </a:p>
+        </p:txBody>
+      </p:sp>
+      <p:cxnSp>
+        <p:nvCxnSpPr>
+          <p:cNvPr id="82" name="Straight Arrow Connector 81">
+            <a:extLst>
+              <a:ext uri="{FF2B5EF4-FFF2-40B4-BE49-F238E27FC236}">
+                <a16:creationId xmlns:a16="http://schemas.microsoft.com/office/drawing/2014/main" id="{50C10F66-D85F-4594-B0BC-ABD25C9FAB8B}"/>
+              </a:ext>
+            </a:extLst>
+          </p:cNvPr>
+          <p:cNvCxnSpPr>
+            <a:cxnSpLocks/>
+            <a:stCxn id="102" idx="3"/>
+            <a:endCxn id="120" idx="1"/>
+          </p:cNvCxnSpPr>
+          <p:nvPr/>
+        </p:nvCxnSpPr>
+        <p:spPr>
+          <a:xfrm>
+            <a:off x="1625483" y="2546198"/>
+            <a:ext cx="313610" cy="0"/>
+          </a:xfrm>
+          <a:prstGeom prst="straightConnector1">
+            <a:avLst/>
+          </a:prstGeom>
+          <a:ln w="19050">
             <a:solidFill>
-              <a:srgbClr val="92D050"/>
+              <a:srgbClr val="00B050"/>
             </a:solidFill>
-            <a:ln w="19050">
+            <a:tailEnd type="triangle"/>
+          </a:ln>
+        </p:spPr>
+        <p:style>
+          <a:lnRef idx="1">
+            <a:schemeClr val="accent1"/>
+          </a:lnRef>
+          <a:fillRef idx="0">
+            <a:schemeClr val="accent1"/>
+          </a:fillRef>
+          <a:effectRef idx="0">
+            <a:schemeClr val="accent1"/>
+          </a:effectRef>
+          <a:fontRef idx="minor">
+            <a:schemeClr val="tx1"/>
+          </a:fontRef>
+        </p:style>
+      </p:cxnSp>
+      <p:sp>
+        <p:nvSpPr>
+          <p:cNvPr id="101" name="Rectangle: Rounded Corners 100">
+            <a:extLst>
+              <a:ext uri="{FF2B5EF4-FFF2-40B4-BE49-F238E27FC236}">
+                <a16:creationId xmlns:a16="http://schemas.microsoft.com/office/drawing/2014/main" id="{FA566E55-2795-4236-B416-C5178F5A8791}"/>
+              </a:ext>
+            </a:extLst>
+          </p:cNvPr>
+          <p:cNvSpPr/>
+          <p:nvPr/>
+        </p:nvSpPr>
+        <p:spPr>
+          <a:xfrm>
+            <a:off x="-760921" y="1592580"/>
+            <a:ext cx="926908" cy="1907239"/>
+          </a:xfrm>
+          <a:prstGeom prst="roundRect">
+            <a:avLst/>
+          </a:prstGeom>
+          <a:solidFill>
+            <a:srgbClr val="92D050"/>
+          </a:solidFill>
+          <a:ln w="19050">
+            <a:solidFill>
+              <a:schemeClr val="tx1"/>
+            </a:solidFill>
+          </a:ln>
+        </p:spPr>
+        <p:style>
+          <a:lnRef idx="2">
+            <a:schemeClr val="accent5">
+              <a:shade val="50000"/>
+            </a:schemeClr>
+          </a:lnRef>
+          <a:fillRef idx="1">
+            <a:schemeClr val="accent5"/>
+          </a:fillRef>
+          <a:effectRef idx="0">
+            <a:schemeClr val="accent5"/>
+          </a:effectRef>
+          <a:fontRef idx="minor">
+            <a:schemeClr val="lt1"/>
+          </a:fontRef>
+        </p:style>
+        <p:txBody>
+          <a:bodyPr rtlCol="0" anchor="ctr"/>
+          <a:lstStyle/>
+          <a:p>
+            <a:pPr algn="ctr"/>
+            <a:r>
+              <a:rPr lang="en-SG" sz="1200" dirty="0">
+                <a:solidFill>
+                  <a:schemeClr val="tx1"/>
+                </a:solidFill>
+              </a:rPr>
+              <a:t>Loop through data input</a:t>
+            </a:r>
+          </a:p>
+        </p:txBody>
+      </p:sp>
+      <p:sp>
+        <p:nvSpPr>
+          <p:cNvPr id="102" name="Rectangle: Rounded Corners 101">
+            <a:extLst>
+              <a:ext uri="{FF2B5EF4-FFF2-40B4-BE49-F238E27FC236}">
+                <a16:creationId xmlns:a16="http://schemas.microsoft.com/office/drawing/2014/main" id="{AC86BBE6-7BC6-4277-9059-E83E83AAC387}"/>
+              </a:ext>
+            </a:extLst>
+          </p:cNvPr>
+          <p:cNvSpPr/>
+          <p:nvPr/>
+        </p:nvSpPr>
+        <p:spPr>
+          <a:xfrm>
+            <a:off x="461075" y="1592580"/>
+            <a:ext cx="1164408" cy="1907235"/>
+          </a:xfrm>
+          <a:prstGeom prst="roundRect">
+            <a:avLst/>
+          </a:prstGeom>
+          <a:solidFill>
+            <a:srgbClr val="92D050"/>
+          </a:solidFill>
+          <a:ln w="19050">
+            <a:solidFill>
+              <a:schemeClr val="tx1"/>
+            </a:solidFill>
+          </a:ln>
+        </p:spPr>
+        <p:style>
+          <a:lnRef idx="2">
+            <a:schemeClr val="accent5">
+              <a:shade val="50000"/>
+            </a:schemeClr>
+          </a:lnRef>
+          <a:fillRef idx="1">
+            <a:schemeClr val="accent5"/>
+          </a:fillRef>
+          <a:effectRef idx="0">
+            <a:schemeClr val="accent5"/>
+          </a:effectRef>
+          <a:fontRef idx="minor">
+            <a:schemeClr val="lt1"/>
+          </a:fontRef>
+        </p:style>
+        <p:txBody>
+          <a:bodyPr rtlCol="0" anchor="ctr"/>
+          <a:lstStyle/>
+          <a:p>
+            <a:pPr algn="ctr"/>
+            <a:r>
+              <a:rPr lang="en-SG" sz="1200" dirty="0">
+                <a:solidFill>
+                  <a:schemeClr val="tx1"/>
+                </a:solidFill>
+              </a:rPr>
+              <a:t>Add data to </a:t>
+            </a:r>
+            <a:r>
+              <a:rPr lang="en-SG" sz="1200" dirty="0" err="1">
+                <a:solidFill>
+                  <a:schemeClr val="tx1"/>
+                </a:solidFill>
+              </a:rPr>
+              <a:t>expenseChartLabelData</a:t>
+            </a:r>
+            <a:endParaRPr lang="en-SG" sz="1200" dirty="0">
               <a:solidFill>
                 <a:schemeClr val="tx1"/>
               </a:solidFill>
-            </a:ln>
-          </p:spPr>
-          <p:style>
-            <a:lnRef idx="2">
-              <a:schemeClr val="accent5">
-                <a:shade val="50000"/>
-              </a:schemeClr>
-            </a:lnRef>
-            <a:fillRef idx="1">
-              <a:schemeClr val="accent5"/>
-            </a:fillRef>
-            <a:effectRef idx="0">
-              <a:schemeClr val="accent5"/>
-            </a:effectRef>
-            <a:fontRef idx="minor">
-              <a:schemeClr val="lt1"/>
-            </a:fontRef>
-          </p:style>
-          <p:txBody>
-            <a:bodyPr rtlCol="0" anchor="ctr"/>
-            <a:lstStyle/>
-            <a:p>
-              <a:pPr algn="ctr"/>
-              <a:r>
-                <a:rPr lang="en-SG" sz="1200" dirty="0">
-                  <a:solidFill>
-                    <a:schemeClr val="tx1"/>
-                  </a:solidFill>
-                </a:rPr>
-                <a:t>Loop through data input</a:t>
-              </a:r>
-            </a:p>
-          </p:txBody>
-        </p:sp>
-        <p:sp>
-          <p:nvSpPr>
-            <p:cNvPr id="102" name="Rectangle: Rounded Corners 101">
-              <a:extLst>
-                <a:ext uri="{FF2B5EF4-FFF2-40B4-BE49-F238E27FC236}">
-                  <a16:creationId xmlns:a16="http://schemas.microsoft.com/office/drawing/2014/main" id="{AC86BBE6-7BC6-4277-9059-E83E83AAC387}"/>
-                </a:ext>
-              </a:extLst>
-            </p:cNvPr>
-            <p:cNvSpPr/>
-            <p:nvPr/>
-          </p:nvSpPr>
-          <p:spPr>
-            <a:xfrm>
-              <a:off x="2134473" y="660405"/>
-              <a:ext cx="1937975" cy="539607"/>
-            </a:xfrm>
-            <a:prstGeom prst="roundRect">
-              <a:avLst/>
-            </a:prstGeom>
+            </a:endParaRPr>
+          </a:p>
+        </p:txBody>
+      </p:sp>
+      <p:cxnSp>
+        <p:nvCxnSpPr>
+          <p:cNvPr id="104" name="Straight Arrow Connector 103">
+            <a:extLst>
+              <a:ext uri="{FF2B5EF4-FFF2-40B4-BE49-F238E27FC236}">
+                <a16:creationId xmlns:a16="http://schemas.microsoft.com/office/drawing/2014/main" id="{78ECA661-9612-494A-B771-62E7FA52EFFF}"/>
+              </a:ext>
+            </a:extLst>
+          </p:cNvPr>
+          <p:cNvCxnSpPr>
+            <a:cxnSpLocks/>
+            <a:stCxn id="101" idx="3"/>
+            <a:endCxn id="102" idx="1"/>
+          </p:cNvCxnSpPr>
+          <p:nvPr/>
+        </p:nvCxnSpPr>
+        <p:spPr>
+          <a:xfrm flipV="1">
+            <a:off x="165987" y="2546198"/>
+            <a:ext cx="295088" cy="2"/>
+          </a:xfrm>
+          <a:prstGeom prst="straightConnector1">
+            <a:avLst/>
+          </a:prstGeom>
+          <a:ln w="19050">
             <a:solidFill>
-              <a:srgbClr val="92D050"/>
+              <a:srgbClr val="00B050"/>
             </a:solidFill>
-            <a:ln w="19050">
+            <a:tailEnd type="triangle"/>
+          </a:ln>
+        </p:spPr>
+        <p:style>
+          <a:lnRef idx="1">
+            <a:schemeClr val="accent1"/>
+          </a:lnRef>
+          <a:fillRef idx="0">
+            <a:schemeClr val="accent1"/>
+          </a:fillRef>
+          <a:effectRef idx="0">
+            <a:schemeClr val="accent1"/>
+          </a:effectRef>
+          <a:fontRef idx="minor">
+            <a:schemeClr val="tx1"/>
+          </a:fontRef>
+        </p:style>
+      </p:cxnSp>
+      <p:sp>
+        <p:nvSpPr>
+          <p:cNvPr id="120" name="Rectangle: Rounded Corners 119">
+            <a:extLst>
+              <a:ext uri="{FF2B5EF4-FFF2-40B4-BE49-F238E27FC236}">
+                <a16:creationId xmlns:a16="http://schemas.microsoft.com/office/drawing/2014/main" id="{07B7D55B-6E98-49C9-9036-BCE5898D0385}"/>
+              </a:ext>
+            </a:extLst>
+          </p:cNvPr>
+          <p:cNvSpPr/>
+          <p:nvPr/>
+        </p:nvSpPr>
+        <p:spPr>
+          <a:xfrm>
+            <a:off x="1939093" y="1592581"/>
+            <a:ext cx="1186609" cy="1907234"/>
+          </a:xfrm>
+          <a:prstGeom prst="roundRect">
+            <a:avLst/>
+          </a:prstGeom>
+          <a:solidFill>
+            <a:srgbClr val="92D050"/>
+          </a:solidFill>
+          <a:ln w="19050">
+            <a:solidFill>
+              <a:schemeClr val="tx1"/>
+            </a:solidFill>
+          </a:ln>
+        </p:spPr>
+        <p:style>
+          <a:lnRef idx="2">
+            <a:schemeClr val="accent5">
+              <a:shade val="50000"/>
+            </a:schemeClr>
+          </a:lnRef>
+          <a:fillRef idx="1">
+            <a:schemeClr val="accent5"/>
+          </a:fillRef>
+          <a:effectRef idx="0">
+            <a:schemeClr val="accent5"/>
+          </a:effectRef>
+          <a:fontRef idx="minor">
+            <a:schemeClr val="lt1"/>
+          </a:fontRef>
+        </p:style>
+        <p:txBody>
+          <a:bodyPr rtlCol="0" anchor="ctr"/>
+          <a:lstStyle/>
+          <a:p>
+            <a:pPr algn="ctr"/>
+            <a:r>
+              <a:rPr lang="en-SG" sz="1200" dirty="0">
+                <a:solidFill>
+                  <a:schemeClr val="tx1"/>
+                </a:solidFill>
+              </a:rPr>
+              <a:t>Add data to </a:t>
+            </a:r>
+            <a:r>
+              <a:rPr lang="en-SG" sz="1200" dirty="0" err="1">
+                <a:solidFill>
+                  <a:schemeClr val="tx1"/>
+                </a:solidFill>
+              </a:rPr>
+              <a:t>incomeChartLabelData</a:t>
+            </a:r>
+            <a:endParaRPr lang="en-SG" sz="1200" dirty="0">
               <a:solidFill>
                 <a:schemeClr val="tx1"/>
               </a:solidFill>
-            </a:ln>
-          </p:spPr>
-          <p:style>
-            <a:lnRef idx="2">
-              <a:schemeClr val="accent5">
-                <a:shade val="50000"/>
-              </a:schemeClr>
-            </a:lnRef>
-            <a:fillRef idx="1">
-              <a:schemeClr val="accent5"/>
-            </a:fillRef>
-            <a:effectRef idx="0">
-              <a:schemeClr val="accent5"/>
-            </a:effectRef>
-            <a:fontRef idx="minor">
-              <a:schemeClr val="lt1"/>
-            </a:fontRef>
-          </p:style>
-          <p:txBody>
-            <a:bodyPr rtlCol="0" anchor="ctr"/>
-            <a:lstStyle/>
-            <a:p>
-              <a:pPr algn="ctr"/>
-              <a:r>
-                <a:rPr lang="en-SG" sz="1200">
-                  <a:solidFill>
-                    <a:schemeClr val="tx1"/>
-                  </a:solidFill>
-                </a:rPr>
-                <a:t>Add data to expenseChartLabelData</a:t>
-              </a:r>
-              <a:endParaRPr lang="en-SG" sz="1200" dirty="0">
+            </a:endParaRPr>
+          </a:p>
+        </p:txBody>
+      </p:sp>
+      <p:cxnSp>
+        <p:nvCxnSpPr>
+          <p:cNvPr id="126" name="Straight Arrow Connector 125">
+            <a:extLst>
+              <a:ext uri="{FF2B5EF4-FFF2-40B4-BE49-F238E27FC236}">
+                <a16:creationId xmlns:a16="http://schemas.microsoft.com/office/drawing/2014/main" id="{B67E6824-257B-45D9-B2F4-B92E5EC20355}"/>
+              </a:ext>
+            </a:extLst>
+          </p:cNvPr>
+          <p:cNvCxnSpPr>
+            <a:cxnSpLocks/>
+            <a:stCxn id="120" idx="3"/>
+            <a:endCxn id="81" idx="0"/>
+          </p:cNvCxnSpPr>
+          <p:nvPr/>
+        </p:nvCxnSpPr>
+        <p:spPr>
+          <a:xfrm flipV="1">
+            <a:off x="3125702" y="2541015"/>
+            <a:ext cx="667925" cy="5183"/>
+          </a:xfrm>
+          <a:prstGeom prst="straightConnector1">
+            <a:avLst/>
+          </a:prstGeom>
+          <a:ln w="19050">
+            <a:solidFill>
+              <a:srgbClr val="00B050"/>
+            </a:solidFill>
+            <a:tailEnd type="triangle"/>
+          </a:ln>
+        </p:spPr>
+        <p:style>
+          <a:lnRef idx="1">
+            <a:schemeClr val="accent1"/>
+          </a:lnRef>
+          <a:fillRef idx="0">
+            <a:schemeClr val="accent1"/>
+          </a:fillRef>
+          <a:effectRef idx="0">
+            <a:schemeClr val="accent1"/>
+          </a:effectRef>
+          <a:fontRef idx="minor">
+            <a:schemeClr val="tx1"/>
+          </a:fontRef>
+        </p:style>
+      </p:cxnSp>
+      <p:cxnSp>
+        <p:nvCxnSpPr>
+          <p:cNvPr id="131" name="Straight Arrow Connector 130">
+            <a:extLst>
+              <a:ext uri="{FF2B5EF4-FFF2-40B4-BE49-F238E27FC236}">
+                <a16:creationId xmlns:a16="http://schemas.microsoft.com/office/drawing/2014/main" id="{941BF26B-8E10-423B-8905-501D6F292EE9}"/>
+              </a:ext>
+            </a:extLst>
+          </p:cNvPr>
+          <p:cNvCxnSpPr>
+            <a:cxnSpLocks/>
+            <a:stCxn id="81" idx="2"/>
+            <a:endCxn id="133" idx="1"/>
+          </p:cNvCxnSpPr>
+          <p:nvPr/>
+        </p:nvCxnSpPr>
+        <p:spPr>
+          <a:xfrm>
+            <a:off x="4031612" y="2541015"/>
+            <a:ext cx="387713" cy="5182"/>
+          </a:xfrm>
+          <a:prstGeom prst="straightConnector1">
+            <a:avLst/>
+          </a:prstGeom>
+          <a:ln w="19050">
+            <a:solidFill>
+              <a:srgbClr val="00B050"/>
+            </a:solidFill>
+            <a:tailEnd type="triangle"/>
+          </a:ln>
+        </p:spPr>
+        <p:style>
+          <a:lnRef idx="1">
+            <a:schemeClr val="accent1"/>
+          </a:lnRef>
+          <a:fillRef idx="0">
+            <a:schemeClr val="accent1"/>
+          </a:fillRef>
+          <a:effectRef idx="0">
+            <a:schemeClr val="accent1"/>
+          </a:effectRef>
+          <a:fontRef idx="minor">
+            <a:schemeClr val="tx1"/>
+          </a:fontRef>
+        </p:style>
+      </p:cxnSp>
+      <p:sp>
+        <p:nvSpPr>
+          <p:cNvPr id="133" name="Rectangle: Rounded Corners 132">
+            <a:extLst>
+              <a:ext uri="{FF2B5EF4-FFF2-40B4-BE49-F238E27FC236}">
+                <a16:creationId xmlns:a16="http://schemas.microsoft.com/office/drawing/2014/main" id="{E30CB254-6781-41FE-96E7-2AB0049FDCE6}"/>
+              </a:ext>
+            </a:extLst>
+          </p:cNvPr>
+          <p:cNvSpPr/>
+          <p:nvPr/>
+        </p:nvSpPr>
+        <p:spPr>
+          <a:xfrm>
+            <a:off x="4419325" y="1592580"/>
+            <a:ext cx="1164409" cy="1907234"/>
+          </a:xfrm>
+          <a:prstGeom prst="roundRect">
+            <a:avLst/>
+          </a:prstGeom>
+          <a:solidFill>
+            <a:srgbClr val="92D050"/>
+          </a:solidFill>
+          <a:ln w="19050">
+            <a:solidFill>
+              <a:schemeClr val="tx1"/>
+            </a:solidFill>
+          </a:ln>
+        </p:spPr>
+        <p:style>
+          <a:lnRef idx="2">
+            <a:schemeClr val="accent5">
+              <a:shade val="50000"/>
+            </a:schemeClr>
+          </a:lnRef>
+          <a:fillRef idx="1">
+            <a:schemeClr val="accent5"/>
+          </a:fillRef>
+          <a:effectRef idx="0">
+            <a:schemeClr val="accent5"/>
+          </a:effectRef>
+          <a:fontRef idx="minor">
+            <a:schemeClr val="lt1"/>
+          </a:fontRef>
+        </p:style>
+        <p:txBody>
+          <a:bodyPr rtlCol="0" anchor="ctr"/>
+          <a:lstStyle/>
+          <a:p>
+            <a:pPr algn="ctr"/>
+            <a:r>
+              <a:rPr lang="en-SG" sz="1200" dirty="0">
                 <a:solidFill>
                   <a:schemeClr val="tx1"/>
                 </a:solidFill>
-              </a:endParaRPr>
-            </a:p>
-          </p:txBody>
-        </p:sp>
-        <p:cxnSp>
-          <p:nvCxnSpPr>
-            <p:cNvPr id="104" name="Straight Arrow Connector 103">
-              <a:extLst>
-                <a:ext uri="{FF2B5EF4-FFF2-40B4-BE49-F238E27FC236}">
-                  <a16:creationId xmlns:a16="http://schemas.microsoft.com/office/drawing/2014/main" id="{78ECA661-9612-494A-B771-62E7FA52EFFF}"/>
-                </a:ext>
-              </a:extLst>
-            </p:cNvPr>
-            <p:cNvCxnSpPr>
-              <a:cxnSpLocks/>
-              <a:stCxn id="101" idx="2"/>
-              <a:endCxn id="102" idx="0"/>
-            </p:cNvCxnSpPr>
-            <p:nvPr/>
-          </p:nvCxnSpPr>
-          <p:spPr>
-            <a:xfrm flipH="1">
-              <a:off x="3103461" y="509516"/>
-              <a:ext cx="1" cy="150889"/>
-            </a:xfrm>
-            <a:prstGeom prst="straightConnector1">
-              <a:avLst/>
-            </a:prstGeom>
-            <a:ln w="19050">
-              <a:solidFill>
-                <a:srgbClr val="00B050"/>
-              </a:solidFill>
-              <a:tailEnd type="triangle"/>
-            </a:ln>
-          </p:spPr>
-          <p:style>
-            <a:lnRef idx="1">
-              <a:schemeClr val="accent1"/>
-            </a:lnRef>
-            <a:fillRef idx="0">
-              <a:schemeClr val="accent1"/>
-            </a:fillRef>
-            <a:effectRef idx="0">
-              <a:schemeClr val="accent1"/>
-            </a:effectRef>
-            <a:fontRef idx="minor">
-              <a:schemeClr val="tx1"/>
-            </a:fontRef>
-          </p:style>
-        </p:cxnSp>
-        <p:sp>
-          <p:nvSpPr>
-            <p:cNvPr id="120" name="Rectangle: Rounded Corners 119">
-              <a:extLst>
-                <a:ext uri="{FF2B5EF4-FFF2-40B4-BE49-F238E27FC236}">
-                  <a16:creationId xmlns:a16="http://schemas.microsoft.com/office/drawing/2014/main" id="{07B7D55B-6E98-49C9-9036-BCE5898D0385}"/>
-                </a:ext>
-              </a:extLst>
-            </p:cNvPr>
-            <p:cNvSpPr/>
-            <p:nvPr/>
-          </p:nvSpPr>
-          <p:spPr>
-            <a:xfrm>
-              <a:off x="2134473" y="1377440"/>
-              <a:ext cx="1937975" cy="539607"/>
-            </a:xfrm>
-            <a:prstGeom prst="roundRect">
-              <a:avLst/>
-            </a:prstGeom>
-            <a:solidFill>
-              <a:srgbClr val="92D050"/>
-            </a:solidFill>
-            <a:ln w="19050">
+              </a:rPr>
+              <a:t>Loop through </a:t>
+            </a:r>
+            <a:r>
+              <a:rPr lang="en-SG" sz="1200" dirty="0" err="1">
+                <a:solidFill>
+                  <a:schemeClr val="tx1"/>
+                </a:solidFill>
+              </a:rPr>
+              <a:t>expenseChartLabelData</a:t>
+            </a:r>
+            <a:endParaRPr lang="en-SG" sz="1200" dirty="0">
               <a:solidFill>
                 <a:schemeClr val="tx1"/>
               </a:solidFill>
-            </a:ln>
-          </p:spPr>
-          <p:style>
-            <a:lnRef idx="2">
-              <a:schemeClr val="accent5">
-                <a:shade val="50000"/>
-              </a:schemeClr>
-            </a:lnRef>
-            <a:fillRef idx="1">
-              <a:schemeClr val="accent5"/>
-            </a:fillRef>
-            <a:effectRef idx="0">
-              <a:schemeClr val="accent5"/>
-            </a:effectRef>
-            <a:fontRef idx="minor">
-              <a:schemeClr val="lt1"/>
-            </a:fontRef>
-          </p:style>
-          <p:txBody>
-            <a:bodyPr rtlCol="0" anchor="ctr"/>
-            <a:lstStyle/>
-            <a:p>
-              <a:pPr algn="ctr"/>
-              <a:r>
-                <a:rPr lang="en-SG" sz="1200" dirty="0">
-                  <a:solidFill>
-                    <a:schemeClr val="tx1"/>
-                  </a:solidFill>
-                </a:rPr>
-                <a:t>Add data to </a:t>
-              </a:r>
-              <a:r>
-                <a:rPr lang="en-SG" sz="1200" dirty="0" err="1">
-                  <a:solidFill>
-                    <a:schemeClr val="tx1"/>
-                  </a:solidFill>
-                </a:rPr>
-                <a:t>incomeChartLabelData</a:t>
-              </a:r>
-              <a:endParaRPr lang="en-SG" sz="1200" dirty="0">
+            </a:endParaRPr>
+          </a:p>
+        </p:txBody>
+      </p:sp>
+      <p:sp>
+        <p:nvSpPr>
+          <p:cNvPr id="144" name="Rectangle: Rounded Corners 143">
+            <a:extLst>
+              <a:ext uri="{FF2B5EF4-FFF2-40B4-BE49-F238E27FC236}">
+                <a16:creationId xmlns:a16="http://schemas.microsoft.com/office/drawing/2014/main" id="{188110FC-3593-4029-A69C-EE4977A15C4F}"/>
+              </a:ext>
+            </a:extLst>
+          </p:cNvPr>
+          <p:cNvSpPr/>
+          <p:nvPr/>
+        </p:nvSpPr>
+        <p:spPr>
+          <a:xfrm>
+            <a:off x="5979478" y="1601724"/>
+            <a:ext cx="1691064" cy="1907233"/>
+          </a:xfrm>
+          <a:prstGeom prst="roundRect">
+            <a:avLst/>
+          </a:prstGeom>
+          <a:solidFill>
+            <a:srgbClr val="92D050"/>
+          </a:solidFill>
+          <a:ln w="19050">
+            <a:solidFill>
+              <a:schemeClr val="tx1"/>
+            </a:solidFill>
+          </a:ln>
+        </p:spPr>
+        <p:style>
+          <a:lnRef idx="2">
+            <a:schemeClr val="accent5">
+              <a:shade val="50000"/>
+            </a:schemeClr>
+          </a:lnRef>
+          <a:fillRef idx="1">
+            <a:schemeClr val="accent5"/>
+          </a:fillRef>
+          <a:effectRef idx="0">
+            <a:schemeClr val="accent5"/>
+          </a:effectRef>
+          <a:fontRef idx="minor">
+            <a:schemeClr val="lt1"/>
+          </a:fontRef>
+        </p:style>
+        <p:txBody>
+          <a:bodyPr rtlCol="0" anchor="ctr"/>
+          <a:lstStyle/>
+          <a:p>
+            <a:pPr algn="ctr"/>
+            <a:r>
+              <a:rPr lang="en-SG" sz="1200" dirty="0">
                 <a:solidFill>
                   <a:schemeClr val="tx1"/>
                 </a:solidFill>
-              </a:endParaRPr>
-            </a:p>
-          </p:txBody>
-        </p:sp>
-        <p:cxnSp>
-          <p:nvCxnSpPr>
-            <p:cNvPr id="126" name="Straight Arrow Connector 125">
-              <a:extLst>
-                <a:ext uri="{FF2B5EF4-FFF2-40B4-BE49-F238E27FC236}">
-                  <a16:creationId xmlns:a16="http://schemas.microsoft.com/office/drawing/2014/main" id="{B67E6824-257B-45D9-B2F4-B92E5EC20355}"/>
-                </a:ext>
-              </a:extLst>
-            </p:cNvPr>
-            <p:cNvCxnSpPr>
-              <a:cxnSpLocks/>
-              <a:stCxn id="120" idx="2"/>
-              <a:endCxn id="81" idx="0"/>
-            </p:cNvCxnSpPr>
-            <p:nvPr/>
-          </p:nvCxnSpPr>
-          <p:spPr>
-            <a:xfrm flipH="1">
-              <a:off x="3103460" y="1917046"/>
-              <a:ext cx="1" cy="193415"/>
-            </a:xfrm>
-            <a:prstGeom prst="straightConnector1">
-              <a:avLst/>
-            </a:prstGeom>
-            <a:ln w="19050">
-              <a:solidFill>
-                <a:srgbClr val="00B050"/>
-              </a:solidFill>
-              <a:tailEnd type="triangle"/>
-            </a:ln>
-          </p:spPr>
-          <p:style>
-            <a:lnRef idx="1">
-              <a:schemeClr val="accent1"/>
-            </a:lnRef>
-            <a:fillRef idx="0">
-              <a:schemeClr val="accent1"/>
-            </a:fillRef>
-            <a:effectRef idx="0">
-              <a:schemeClr val="accent1"/>
-            </a:effectRef>
-            <a:fontRef idx="minor">
-              <a:schemeClr val="tx1"/>
-            </a:fontRef>
-          </p:style>
-        </p:cxnSp>
-        <p:cxnSp>
-          <p:nvCxnSpPr>
-            <p:cNvPr id="131" name="Straight Arrow Connector 130">
-              <a:extLst>
-                <a:ext uri="{FF2B5EF4-FFF2-40B4-BE49-F238E27FC236}">
-                  <a16:creationId xmlns:a16="http://schemas.microsoft.com/office/drawing/2014/main" id="{941BF26B-8E10-423B-8905-501D6F292EE9}"/>
-                </a:ext>
-              </a:extLst>
-            </p:cNvPr>
-            <p:cNvCxnSpPr>
-              <a:cxnSpLocks/>
-              <a:stCxn id="81" idx="2"/>
-              <a:endCxn id="133" idx="0"/>
-            </p:cNvCxnSpPr>
-            <p:nvPr/>
-          </p:nvCxnSpPr>
-          <p:spPr>
-            <a:xfrm>
-              <a:off x="3103460" y="2348447"/>
-              <a:ext cx="1" cy="301145"/>
-            </a:xfrm>
-            <a:prstGeom prst="straightConnector1">
-              <a:avLst/>
-            </a:prstGeom>
-            <a:ln w="19050">
-              <a:solidFill>
-                <a:srgbClr val="00B050"/>
-              </a:solidFill>
-              <a:tailEnd type="triangle"/>
-            </a:ln>
-          </p:spPr>
-          <p:style>
-            <a:lnRef idx="1">
-              <a:schemeClr val="accent1"/>
-            </a:lnRef>
-            <a:fillRef idx="0">
-              <a:schemeClr val="accent1"/>
-            </a:fillRef>
-            <a:effectRef idx="0">
-              <a:schemeClr val="accent1"/>
-            </a:effectRef>
-            <a:fontRef idx="minor">
-              <a:schemeClr val="tx1"/>
-            </a:fontRef>
-          </p:style>
-        </p:cxnSp>
-        <p:sp>
-          <p:nvSpPr>
-            <p:cNvPr id="133" name="Rectangle: Rounded Corners 132">
-              <a:extLst>
-                <a:ext uri="{FF2B5EF4-FFF2-40B4-BE49-F238E27FC236}">
-                  <a16:creationId xmlns:a16="http://schemas.microsoft.com/office/drawing/2014/main" id="{E30CB254-6781-41FE-96E7-2AB0049FDCE6}"/>
-                </a:ext>
-              </a:extLst>
-            </p:cNvPr>
-            <p:cNvSpPr/>
-            <p:nvPr/>
-          </p:nvSpPr>
-          <p:spPr>
-            <a:xfrm>
-              <a:off x="2134473" y="2649592"/>
-              <a:ext cx="1937975" cy="539607"/>
-            </a:xfrm>
-            <a:prstGeom prst="roundRect">
-              <a:avLst/>
-            </a:prstGeom>
-            <a:solidFill>
-              <a:srgbClr val="92D050"/>
-            </a:solidFill>
-            <a:ln w="19050">
+              </a:rPr>
+              <a:t>Convert each data to percentages and store in </a:t>
+            </a:r>
+            <a:r>
+              <a:rPr lang="en-SG" sz="1200" dirty="0" err="1">
+                <a:solidFill>
+                  <a:schemeClr val="tx1"/>
+                </a:solidFill>
+              </a:rPr>
+              <a:t>expenseChartLegendData</a:t>
+            </a:r>
+            <a:endParaRPr lang="en-SG" sz="1200" dirty="0">
               <a:solidFill>
                 <a:schemeClr val="tx1"/>
               </a:solidFill>
-            </a:ln>
-          </p:spPr>
-          <p:style>
-            <a:lnRef idx="2">
-              <a:schemeClr val="accent5">
-                <a:shade val="50000"/>
-              </a:schemeClr>
-            </a:lnRef>
-            <a:fillRef idx="1">
-              <a:schemeClr val="accent5"/>
-            </a:fillRef>
-            <a:effectRef idx="0">
-              <a:schemeClr val="accent5"/>
-            </a:effectRef>
-            <a:fontRef idx="minor">
-              <a:schemeClr val="lt1"/>
-            </a:fontRef>
-          </p:style>
-          <p:txBody>
-            <a:bodyPr rtlCol="0" anchor="ctr"/>
-            <a:lstStyle/>
-            <a:p>
-              <a:pPr algn="ctr"/>
-              <a:r>
-                <a:rPr lang="en-SG" sz="1200" dirty="0">
-                  <a:solidFill>
-                    <a:schemeClr val="tx1"/>
-                  </a:solidFill>
-                </a:rPr>
-                <a:t>Loop through </a:t>
-              </a:r>
-              <a:r>
-                <a:rPr lang="en-SG" sz="1200" dirty="0" err="1">
-                  <a:solidFill>
-                    <a:schemeClr val="tx1"/>
-                  </a:solidFill>
-                </a:rPr>
-                <a:t>expenseChartLabelData</a:t>
-              </a:r>
-              <a:endParaRPr lang="en-SG" sz="1200" dirty="0">
+            </a:endParaRPr>
+          </a:p>
+        </p:txBody>
+      </p:sp>
+      <p:cxnSp>
+        <p:nvCxnSpPr>
+          <p:cNvPr id="145" name="Straight Arrow Connector 144">
+            <a:extLst>
+              <a:ext uri="{FF2B5EF4-FFF2-40B4-BE49-F238E27FC236}">
+                <a16:creationId xmlns:a16="http://schemas.microsoft.com/office/drawing/2014/main" id="{FB19D26E-5B14-4C46-88DE-7541CBF494EF}"/>
+              </a:ext>
+            </a:extLst>
+          </p:cNvPr>
+          <p:cNvCxnSpPr>
+            <a:cxnSpLocks/>
+            <a:stCxn id="133" idx="3"/>
+            <a:endCxn id="144" idx="1"/>
+          </p:cNvCxnSpPr>
+          <p:nvPr/>
+        </p:nvCxnSpPr>
+        <p:spPr>
+          <a:xfrm>
+            <a:off x="5583734" y="2546197"/>
+            <a:ext cx="395744" cy="9144"/>
+          </a:xfrm>
+          <a:prstGeom prst="straightConnector1">
+            <a:avLst/>
+          </a:prstGeom>
+          <a:ln w="19050">
+            <a:solidFill>
+              <a:srgbClr val="00B050"/>
+            </a:solidFill>
+            <a:tailEnd type="triangle"/>
+          </a:ln>
+        </p:spPr>
+        <p:style>
+          <a:lnRef idx="1">
+            <a:schemeClr val="accent1"/>
+          </a:lnRef>
+          <a:fillRef idx="0">
+            <a:schemeClr val="accent1"/>
+          </a:fillRef>
+          <a:effectRef idx="0">
+            <a:schemeClr val="accent1"/>
+          </a:effectRef>
+          <a:fontRef idx="minor">
+            <a:schemeClr val="tx1"/>
+          </a:fontRef>
+        </p:style>
+      </p:cxnSp>
+      <p:sp>
+        <p:nvSpPr>
+          <p:cNvPr id="152" name="Diamond 151">
+            <a:extLst>
+              <a:ext uri="{FF2B5EF4-FFF2-40B4-BE49-F238E27FC236}">
+                <a16:creationId xmlns:a16="http://schemas.microsoft.com/office/drawing/2014/main" id="{CA8C9333-407A-498F-975B-152EA23FAB0F}"/>
+              </a:ext>
+            </a:extLst>
+          </p:cNvPr>
+          <p:cNvSpPr/>
+          <p:nvPr/>
+        </p:nvSpPr>
+        <p:spPr>
+          <a:xfrm rot="16200000">
+            <a:off x="8573482" y="2422026"/>
+            <a:ext cx="251453" cy="237985"/>
+          </a:xfrm>
+          <a:prstGeom prst="diamond">
+            <a:avLst/>
+          </a:prstGeom>
+          <a:solidFill>
+            <a:srgbClr val="00B050"/>
+          </a:solidFill>
+          <a:ln>
+            <a:solidFill>
+              <a:schemeClr val="tx1"/>
+            </a:solidFill>
+          </a:ln>
+        </p:spPr>
+        <p:style>
+          <a:lnRef idx="2">
+            <a:schemeClr val="accent1">
+              <a:shade val="50000"/>
+            </a:schemeClr>
+          </a:lnRef>
+          <a:fillRef idx="1">
+            <a:schemeClr val="accent1"/>
+          </a:fillRef>
+          <a:effectRef idx="0">
+            <a:schemeClr val="accent1"/>
+          </a:effectRef>
+          <a:fontRef idx="minor">
+            <a:schemeClr val="lt1"/>
+          </a:fontRef>
+        </p:style>
+        <p:txBody>
+          <a:bodyPr rtlCol="0" anchor="ctr"/>
+          <a:lstStyle/>
+          <a:p>
+            <a:pPr algn="ctr"/>
+            <a:endParaRPr lang="en-SG" sz="1200" dirty="0"/>
+          </a:p>
+        </p:txBody>
+      </p:sp>
+      <p:sp>
+        <p:nvSpPr>
+          <p:cNvPr id="153" name="Rectangle: Rounded Corners 152">
+            <a:extLst>
+              <a:ext uri="{FF2B5EF4-FFF2-40B4-BE49-F238E27FC236}">
+                <a16:creationId xmlns:a16="http://schemas.microsoft.com/office/drawing/2014/main" id="{3DB15CEE-E7C8-4A0D-9296-6F886C542A1E}"/>
+              </a:ext>
+            </a:extLst>
+          </p:cNvPr>
+          <p:cNvSpPr/>
+          <p:nvPr/>
+        </p:nvSpPr>
+        <p:spPr>
+          <a:xfrm>
+            <a:off x="9494887" y="1592580"/>
+            <a:ext cx="1803092" cy="1907233"/>
+          </a:xfrm>
+          <a:prstGeom prst="roundRect">
+            <a:avLst/>
+          </a:prstGeom>
+          <a:solidFill>
+            <a:srgbClr val="92D050"/>
+          </a:solidFill>
+          <a:ln w="19050">
+            <a:solidFill>
+              <a:schemeClr val="tx1"/>
+            </a:solidFill>
+          </a:ln>
+        </p:spPr>
+        <p:style>
+          <a:lnRef idx="2">
+            <a:schemeClr val="accent5">
+              <a:shade val="50000"/>
+            </a:schemeClr>
+          </a:lnRef>
+          <a:fillRef idx="1">
+            <a:schemeClr val="accent5"/>
+          </a:fillRef>
+          <a:effectRef idx="0">
+            <a:schemeClr val="accent5"/>
+          </a:effectRef>
+          <a:fontRef idx="minor">
+            <a:schemeClr val="lt1"/>
+          </a:fontRef>
+        </p:style>
+        <p:txBody>
+          <a:bodyPr rtlCol="0" anchor="ctr"/>
+          <a:lstStyle/>
+          <a:p>
+            <a:pPr algn="ctr"/>
+            <a:r>
+              <a:rPr lang="en-SG" sz="1200" dirty="0">
                 <a:solidFill>
                   <a:schemeClr val="tx1"/>
                 </a:solidFill>
-              </a:endParaRPr>
-            </a:p>
-          </p:txBody>
-        </p:sp>
-        <p:sp>
-          <p:nvSpPr>
-            <p:cNvPr id="144" name="Rectangle: Rounded Corners 143">
-              <a:extLst>
-                <a:ext uri="{FF2B5EF4-FFF2-40B4-BE49-F238E27FC236}">
-                  <a16:creationId xmlns:a16="http://schemas.microsoft.com/office/drawing/2014/main" id="{188110FC-3593-4029-A69C-EE4977A15C4F}"/>
-                </a:ext>
-              </a:extLst>
-            </p:cNvPr>
-            <p:cNvSpPr/>
-            <p:nvPr/>
-          </p:nvSpPr>
-          <p:spPr>
-            <a:xfrm>
-              <a:off x="2134473" y="3451391"/>
-              <a:ext cx="1937975" cy="539607"/>
-            </a:xfrm>
-            <a:prstGeom prst="roundRect">
-              <a:avLst/>
-            </a:prstGeom>
-            <a:solidFill>
-              <a:srgbClr val="92D050"/>
-            </a:solidFill>
-            <a:ln w="19050">
+              </a:rPr>
+              <a:t>Loop through </a:t>
+            </a:r>
+            <a:r>
+              <a:rPr lang="en-SG" sz="1200" dirty="0" err="1">
+                <a:solidFill>
+                  <a:schemeClr val="tx1"/>
+                </a:solidFill>
+              </a:rPr>
+              <a:t>incomeChartLabelData</a:t>
+            </a:r>
+            <a:endParaRPr lang="en-SG" sz="1200" dirty="0">
               <a:solidFill>
                 <a:schemeClr val="tx1"/>
               </a:solidFill>
-            </a:ln>
-          </p:spPr>
-          <p:style>
-            <a:lnRef idx="2">
-              <a:schemeClr val="accent5">
-                <a:shade val="50000"/>
-              </a:schemeClr>
-            </a:lnRef>
-            <a:fillRef idx="1">
-              <a:schemeClr val="accent5"/>
-            </a:fillRef>
-            <a:effectRef idx="0">
-              <a:schemeClr val="accent5"/>
-            </a:effectRef>
-            <a:fontRef idx="minor">
-              <a:schemeClr val="lt1"/>
-            </a:fontRef>
-          </p:style>
-          <p:txBody>
-            <a:bodyPr rtlCol="0" anchor="ctr"/>
-            <a:lstStyle/>
-            <a:p>
-              <a:pPr algn="ctr"/>
-              <a:r>
-                <a:rPr lang="en-SG" sz="1200" dirty="0">
-                  <a:solidFill>
-                    <a:schemeClr val="tx1"/>
-                  </a:solidFill>
-                </a:rPr>
-                <a:t>Convert each data to percentages and store in </a:t>
-              </a:r>
-              <a:r>
-                <a:rPr lang="en-SG" sz="1200" dirty="0" err="1">
-                  <a:solidFill>
-                    <a:schemeClr val="tx1"/>
-                  </a:solidFill>
-                </a:rPr>
-                <a:t>expenseChartLegendData</a:t>
-              </a:r>
-              <a:endParaRPr lang="en-SG" sz="1200" dirty="0">
+            </a:endParaRPr>
+          </a:p>
+        </p:txBody>
+      </p:sp>
+      <p:sp>
+        <p:nvSpPr>
+          <p:cNvPr id="154" name="Rectangle: Rounded Corners 153">
+            <a:extLst>
+              <a:ext uri="{FF2B5EF4-FFF2-40B4-BE49-F238E27FC236}">
+                <a16:creationId xmlns:a16="http://schemas.microsoft.com/office/drawing/2014/main" id="{CA31806C-89A4-4F2E-8AB2-655456D7AF21}"/>
+              </a:ext>
+            </a:extLst>
+          </p:cNvPr>
+          <p:cNvSpPr/>
+          <p:nvPr/>
+        </p:nvSpPr>
+        <p:spPr>
+          <a:xfrm>
+            <a:off x="11800956" y="1592580"/>
+            <a:ext cx="1616645" cy="1907233"/>
+          </a:xfrm>
+          <a:prstGeom prst="roundRect">
+            <a:avLst/>
+          </a:prstGeom>
+          <a:solidFill>
+            <a:srgbClr val="92D050"/>
+          </a:solidFill>
+          <a:ln w="19050">
+            <a:solidFill>
+              <a:schemeClr val="tx1"/>
+            </a:solidFill>
+          </a:ln>
+        </p:spPr>
+        <p:style>
+          <a:lnRef idx="2">
+            <a:schemeClr val="accent5">
+              <a:shade val="50000"/>
+            </a:schemeClr>
+          </a:lnRef>
+          <a:fillRef idx="1">
+            <a:schemeClr val="accent5"/>
+          </a:fillRef>
+          <a:effectRef idx="0">
+            <a:schemeClr val="accent5"/>
+          </a:effectRef>
+          <a:fontRef idx="minor">
+            <a:schemeClr val="lt1"/>
+          </a:fontRef>
+        </p:style>
+        <p:txBody>
+          <a:bodyPr rtlCol="0" anchor="ctr"/>
+          <a:lstStyle/>
+          <a:p>
+            <a:pPr algn="ctr"/>
+            <a:r>
+              <a:rPr lang="en-SG" sz="1200" dirty="0">
                 <a:solidFill>
                   <a:schemeClr val="tx1"/>
                 </a:solidFill>
-              </a:endParaRPr>
-            </a:p>
-          </p:txBody>
-        </p:sp>
-        <p:cxnSp>
-          <p:nvCxnSpPr>
-            <p:cNvPr id="145" name="Straight Arrow Connector 144">
-              <a:extLst>
-                <a:ext uri="{FF2B5EF4-FFF2-40B4-BE49-F238E27FC236}">
-                  <a16:creationId xmlns:a16="http://schemas.microsoft.com/office/drawing/2014/main" id="{FB19D26E-5B14-4C46-88DE-7541CBF494EF}"/>
-                </a:ext>
-              </a:extLst>
-            </p:cNvPr>
-            <p:cNvCxnSpPr>
-              <a:cxnSpLocks/>
-              <a:stCxn id="133" idx="2"/>
-              <a:endCxn id="144" idx="0"/>
-            </p:cNvCxnSpPr>
-            <p:nvPr/>
-          </p:nvCxnSpPr>
-          <p:spPr>
-            <a:xfrm>
-              <a:off x="3103461" y="3189198"/>
-              <a:ext cx="0" cy="262192"/>
-            </a:xfrm>
-            <a:prstGeom prst="straightConnector1">
-              <a:avLst/>
-            </a:prstGeom>
-            <a:ln w="19050">
+              </a:rPr>
+              <a:t>Convert each data to percentages and store in </a:t>
+            </a:r>
+            <a:r>
+              <a:rPr lang="en-SG" sz="1200" dirty="0" err="1">
+                <a:solidFill>
+                  <a:schemeClr val="tx1"/>
+                </a:solidFill>
+              </a:rPr>
+              <a:t>incomeChartLegendData</a:t>
+            </a:r>
+            <a:endParaRPr lang="en-SG" sz="1200" dirty="0">
               <a:solidFill>
-                <a:srgbClr val="00B050"/>
+                <a:schemeClr val="tx1"/>
               </a:solidFill>
-              <a:tailEnd type="triangle"/>
-            </a:ln>
-          </p:spPr>
-          <p:style>
-            <a:lnRef idx="1">
-              <a:schemeClr val="accent1"/>
-            </a:lnRef>
-            <a:fillRef idx="0">
-              <a:schemeClr val="accent1"/>
-            </a:fillRef>
-            <a:effectRef idx="0">
-              <a:schemeClr val="accent1"/>
-            </a:effectRef>
-            <a:fontRef idx="minor">
-              <a:schemeClr val="tx1"/>
-            </a:fontRef>
-          </p:style>
-        </p:cxnSp>
-        <p:sp>
-          <p:nvSpPr>
-            <p:cNvPr id="152" name="Diamond 151">
-              <a:extLst>
-                <a:ext uri="{FF2B5EF4-FFF2-40B4-BE49-F238E27FC236}">
-                  <a16:creationId xmlns:a16="http://schemas.microsoft.com/office/drawing/2014/main" id="{CA8C9333-407A-498F-975B-152EA23FAB0F}"/>
-                </a:ext>
-              </a:extLst>
-            </p:cNvPr>
-            <p:cNvSpPr/>
-            <p:nvPr/>
-          </p:nvSpPr>
-          <p:spPr>
-            <a:xfrm>
-              <a:off x="2977733" y="4253190"/>
-              <a:ext cx="251453" cy="237985"/>
-            </a:xfrm>
-            <a:prstGeom prst="diamond">
-              <a:avLst/>
-            </a:prstGeom>
+            </a:endParaRPr>
+          </a:p>
+        </p:txBody>
+      </p:sp>
+      <p:cxnSp>
+        <p:nvCxnSpPr>
+          <p:cNvPr id="155" name="Straight Arrow Connector 154">
+            <a:extLst>
+              <a:ext uri="{FF2B5EF4-FFF2-40B4-BE49-F238E27FC236}">
+                <a16:creationId xmlns:a16="http://schemas.microsoft.com/office/drawing/2014/main" id="{3FC04BF9-F4FB-4D7B-A091-AD9EB15147F4}"/>
+              </a:ext>
+            </a:extLst>
+          </p:cNvPr>
+          <p:cNvCxnSpPr>
+            <a:cxnSpLocks/>
+            <a:stCxn id="153" idx="3"/>
+            <a:endCxn id="154" idx="1"/>
+          </p:cNvCxnSpPr>
+          <p:nvPr/>
+        </p:nvCxnSpPr>
+        <p:spPr>
+          <a:xfrm>
+            <a:off x="11297979" y="2546197"/>
+            <a:ext cx="502977" cy="0"/>
+          </a:xfrm>
+          <a:prstGeom prst="straightConnector1">
+            <a:avLst/>
+          </a:prstGeom>
+          <a:ln w="19050">
             <a:solidFill>
               <a:srgbClr val="00B050"/>
             </a:solidFill>
-            <a:ln>
-              <a:solidFill>
-                <a:schemeClr val="tx1"/>
-              </a:solidFill>
-            </a:ln>
-          </p:spPr>
-          <p:style>
-            <a:lnRef idx="2">
-              <a:schemeClr val="accent1">
-                <a:shade val="50000"/>
-              </a:schemeClr>
-            </a:lnRef>
-            <a:fillRef idx="1">
-              <a:schemeClr val="accent1"/>
-            </a:fillRef>
-            <a:effectRef idx="0">
-              <a:schemeClr val="accent1"/>
-            </a:effectRef>
-            <a:fontRef idx="minor">
-              <a:schemeClr val="lt1"/>
-            </a:fontRef>
-          </p:style>
-          <p:txBody>
-            <a:bodyPr rtlCol="0" anchor="ctr"/>
-            <a:lstStyle/>
-            <a:p>
-              <a:pPr algn="ctr"/>
-              <a:endParaRPr lang="en-SG" sz="1200" dirty="0"/>
-            </a:p>
-          </p:txBody>
-        </p:sp>
-        <p:sp>
-          <p:nvSpPr>
-            <p:cNvPr id="153" name="Rectangle: Rounded Corners 152">
-              <a:extLst>
-                <a:ext uri="{FF2B5EF4-FFF2-40B4-BE49-F238E27FC236}">
-                  <a16:creationId xmlns:a16="http://schemas.microsoft.com/office/drawing/2014/main" id="{3DB15CEE-E7C8-4A0D-9296-6F886C542A1E}"/>
-                </a:ext>
-              </a:extLst>
-            </p:cNvPr>
-            <p:cNvSpPr/>
-            <p:nvPr/>
-          </p:nvSpPr>
-          <p:spPr>
-            <a:xfrm>
-              <a:off x="2134473" y="4757760"/>
-              <a:ext cx="1937975" cy="539607"/>
-            </a:xfrm>
-            <a:prstGeom prst="roundRect">
-              <a:avLst/>
-            </a:prstGeom>
+            <a:tailEnd type="triangle"/>
+          </a:ln>
+        </p:spPr>
+        <p:style>
+          <a:lnRef idx="1">
+            <a:schemeClr val="accent1"/>
+          </a:lnRef>
+          <a:fillRef idx="0">
+            <a:schemeClr val="accent1"/>
+          </a:fillRef>
+          <a:effectRef idx="0">
+            <a:schemeClr val="accent1"/>
+          </a:effectRef>
+          <a:fontRef idx="minor">
+            <a:schemeClr val="tx1"/>
+          </a:fontRef>
+        </p:style>
+      </p:cxnSp>
+      <p:sp>
+        <p:nvSpPr>
+          <p:cNvPr id="156" name="Diamond 155">
+            <a:extLst>
+              <a:ext uri="{FF2B5EF4-FFF2-40B4-BE49-F238E27FC236}">
+                <a16:creationId xmlns:a16="http://schemas.microsoft.com/office/drawing/2014/main" id="{0DF90911-3822-4757-9EF5-55A150BD219E}"/>
+              </a:ext>
+            </a:extLst>
+          </p:cNvPr>
+          <p:cNvSpPr/>
+          <p:nvPr/>
+        </p:nvSpPr>
+        <p:spPr>
+          <a:xfrm rot="16200000">
+            <a:off x="14177834" y="2422023"/>
+            <a:ext cx="251453" cy="237985"/>
+          </a:xfrm>
+          <a:prstGeom prst="diamond">
+            <a:avLst/>
+          </a:prstGeom>
+          <a:solidFill>
+            <a:srgbClr val="00B050"/>
+          </a:solidFill>
+          <a:ln>
             <a:solidFill>
-              <a:srgbClr val="92D050"/>
+              <a:schemeClr val="tx1"/>
             </a:solidFill>
-            <a:ln w="19050">
-              <a:solidFill>
-                <a:schemeClr val="tx1"/>
-              </a:solidFill>
-            </a:ln>
-          </p:spPr>
-          <p:style>
-            <a:lnRef idx="2">
-              <a:schemeClr val="accent5">
-                <a:shade val="50000"/>
-              </a:schemeClr>
-            </a:lnRef>
-            <a:fillRef idx="1">
-              <a:schemeClr val="accent5"/>
-            </a:fillRef>
-            <a:effectRef idx="0">
-              <a:schemeClr val="accent5"/>
-            </a:effectRef>
-            <a:fontRef idx="minor">
-              <a:schemeClr val="lt1"/>
-            </a:fontRef>
-          </p:style>
-          <p:txBody>
-            <a:bodyPr rtlCol="0" anchor="ctr"/>
-            <a:lstStyle/>
-            <a:p>
-              <a:pPr algn="ctr"/>
-              <a:r>
-                <a:rPr lang="en-SG" sz="1200" dirty="0">
-                  <a:solidFill>
-                    <a:schemeClr val="tx1"/>
-                  </a:solidFill>
-                </a:rPr>
-                <a:t>Loop through </a:t>
-              </a:r>
-              <a:r>
-                <a:rPr lang="en-SG" sz="1200" dirty="0" err="1">
-                  <a:solidFill>
-                    <a:schemeClr val="tx1"/>
-                  </a:solidFill>
-                </a:rPr>
-                <a:t>incomeChartLabelData</a:t>
-              </a:r>
-              <a:endParaRPr lang="en-SG" sz="1200" dirty="0">
-                <a:solidFill>
-                  <a:schemeClr val="tx1"/>
-                </a:solidFill>
-              </a:endParaRPr>
-            </a:p>
-          </p:txBody>
-        </p:sp>
-        <p:sp>
-          <p:nvSpPr>
-            <p:cNvPr id="154" name="Rectangle: Rounded Corners 153">
-              <a:extLst>
-                <a:ext uri="{FF2B5EF4-FFF2-40B4-BE49-F238E27FC236}">
-                  <a16:creationId xmlns:a16="http://schemas.microsoft.com/office/drawing/2014/main" id="{CA31806C-89A4-4F2E-8AB2-655456D7AF21}"/>
-                </a:ext>
-              </a:extLst>
-            </p:cNvPr>
-            <p:cNvSpPr/>
-            <p:nvPr/>
-          </p:nvSpPr>
-          <p:spPr>
-            <a:xfrm>
-              <a:off x="2134473" y="5559559"/>
-              <a:ext cx="1937975" cy="539607"/>
-            </a:xfrm>
-            <a:prstGeom prst="roundRect">
-              <a:avLst/>
-            </a:prstGeom>
-            <a:solidFill>
-              <a:srgbClr val="92D050"/>
-            </a:solidFill>
-            <a:ln w="19050">
-              <a:solidFill>
-                <a:schemeClr val="tx1"/>
-              </a:solidFill>
-            </a:ln>
-          </p:spPr>
-          <p:style>
-            <a:lnRef idx="2">
-              <a:schemeClr val="accent5">
-                <a:shade val="50000"/>
-              </a:schemeClr>
-            </a:lnRef>
-            <a:fillRef idx="1">
-              <a:schemeClr val="accent5"/>
-            </a:fillRef>
-            <a:effectRef idx="0">
-              <a:schemeClr val="accent5"/>
-            </a:effectRef>
-            <a:fontRef idx="minor">
-              <a:schemeClr val="lt1"/>
-            </a:fontRef>
-          </p:style>
-          <p:txBody>
-            <a:bodyPr rtlCol="0" anchor="ctr"/>
-            <a:lstStyle/>
-            <a:p>
-              <a:pPr algn="ctr"/>
-              <a:r>
-                <a:rPr lang="en-SG" sz="1200" dirty="0">
-                  <a:solidFill>
-                    <a:schemeClr val="tx1"/>
-                  </a:solidFill>
-                </a:rPr>
-                <a:t>Convert each data to percentages and store in </a:t>
-              </a:r>
-              <a:r>
-                <a:rPr lang="en-SG" sz="1200" dirty="0" err="1">
-                  <a:solidFill>
-                    <a:schemeClr val="tx1"/>
-                  </a:solidFill>
-                </a:rPr>
-                <a:t>incomeChartLegendData</a:t>
-              </a:r>
-              <a:endParaRPr lang="en-SG" sz="1200" dirty="0">
-                <a:solidFill>
-                  <a:schemeClr val="tx1"/>
-                </a:solidFill>
-              </a:endParaRPr>
-            </a:p>
-          </p:txBody>
-        </p:sp>
-        <p:cxnSp>
-          <p:nvCxnSpPr>
-            <p:cNvPr id="155" name="Straight Arrow Connector 154">
-              <a:extLst>
-                <a:ext uri="{FF2B5EF4-FFF2-40B4-BE49-F238E27FC236}">
-                  <a16:creationId xmlns:a16="http://schemas.microsoft.com/office/drawing/2014/main" id="{3FC04BF9-F4FB-4D7B-A091-AD9EB15147F4}"/>
-                </a:ext>
-              </a:extLst>
-            </p:cNvPr>
-            <p:cNvCxnSpPr>
-              <a:cxnSpLocks/>
-              <a:stCxn id="153" idx="2"/>
-              <a:endCxn id="154" idx="0"/>
-            </p:cNvCxnSpPr>
-            <p:nvPr/>
-          </p:nvCxnSpPr>
-          <p:spPr>
-            <a:xfrm>
-              <a:off x="3103461" y="5297367"/>
-              <a:ext cx="0" cy="262192"/>
-            </a:xfrm>
-            <a:prstGeom prst="straightConnector1">
-              <a:avLst/>
-            </a:prstGeom>
-            <a:ln w="19050">
-              <a:solidFill>
-                <a:srgbClr val="00B050"/>
-              </a:solidFill>
-              <a:tailEnd type="triangle"/>
-            </a:ln>
-          </p:spPr>
-          <p:style>
-            <a:lnRef idx="1">
-              <a:schemeClr val="accent1"/>
-            </a:lnRef>
-            <a:fillRef idx="0">
-              <a:schemeClr val="accent1"/>
-            </a:fillRef>
-            <a:effectRef idx="0">
-              <a:schemeClr val="accent1"/>
-            </a:effectRef>
-            <a:fontRef idx="minor">
-              <a:schemeClr val="tx1"/>
-            </a:fontRef>
-          </p:style>
-        </p:cxnSp>
-        <p:sp>
-          <p:nvSpPr>
-            <p:cNvPr id="156" name="Diamond 155">
-              <a:extLst>
-                <a:ext uri="{FF2B5EF4-FFF2-40B4-BE49-F238E27FC236}">
-                  <a16:creationId xmlns:a16="http://schemas.microsoft.com/office/drawing/2014/main" id="{0DF90911-3822-4757-9EF5-55A150BD219E}"/>
-                </a:ext>
-              </a:extLst>
-            </p:cNvPr>
-            <p:cNvSpPr/>
-            <p:nvPr/>
-          </p:nvSpPr>
-          <p:spPr>
-            <a:xfrm>
-              <a:off x="2977733" y="6361359"/>
-              <a:ext cx="251453" cy="237985"/>
-            </a:xfrm>
-            <a:prstGeom prst="diamond">
-              <a:avLst/>
-            </a:prstGeom>
+          </a:ln>
+        </p:spPr>
+        <p:style>
+          <a:lnRef idx="2">
+            <a:schemeClr val="accent1">
+              <a:shade val="50000"/>
+            </a:schemeClr>
+          </a:lnRef>
+          <a:fillRef idx="1">
+            <a:schemeClr val="accent1"/>
+          </a:fillRef>
+          <a:effectRef idx="0">
+            <a:schemeClr val="accent1"/>
+          </a:effectRef>
+          <a:fontRef idx="minor">
+            <a:schemeClr val="lt1"/>
+          </a:fontRef>
+        </p:style>
+        <p:txBody>
+          <a:bodyPr rtlCol="0" anchor="ctr"/>
+          <a:lstStyle/>
+          <a:p>
+            <a:pPr algn="ctr"/>
+            <a:endParaRPr lang="en-SG" sz="1200" dirty="0"/>
+          </a:p>
+        </p:txBody>
+      </p:sp>
+      <p:cxnSp>
+        <p:nvCxnSpPr>
+          <p:cNvPr id="157" name="Straight Arrow Connector 156">
+            <a:extLst>
+              <a:ext uri="{FF2B5EF4-FFF2-40B4-BE49-F238E27FC236}">
+                <a16:creationId xmlns:a16="http://schemas.microsoft.com/office/drawing/2014/main" id="{793F641B-43C7-480A-926C-FDE9F85D6FAA}"/>
+              </a:ext>
+            </a:extLst>
+          </p:cNvPr>
+          <p:cNvCxnSpPr>
+            <a:cxnSpLocks/>
+            <a:stCxn id="144" idx="3"/>
+            <a:endCxn id="152" idx="0"/>
+          </p:cNvCxnSpPr>
+          <p:nvPr/>
+        </p:nvCxnSpPr>
+        <p:spPr>
+          <a:xfrm flipV="1">
+            <a:off x="7670542" y="2541018"/>
+            <a:ext cx="909674" cy="14323"/>
+          </a:xfrm>
+          <a:prstGeom prst="straightConnector1">
+            <a:avLst/>
+          </a:prstGeom>
+          <a:ln w="19050">
             <a:solidFill>
               <a:srgbClr val="00B050"/>
             </a:solidFill>
-            <a:ln>
-              <a:solidFill>
-                <a:schemeClr val="tx1"/>
-              </a:solidFill>
-            </a:ln>
-          </p:spPr>
-          <p:style>
-            <a:lnRef idx="2">
-              <a:schemeClr val="accent1">
-                <a:shade val="50000"/>
-              </a:schemeClr>
-            </a:lnRef>
-            <a:fillRef idx="1">
-              <a:schemeClr val="accent1"/>
-            </a:fillRef>
-            <a:effectRef idx="0">
-              <a:schemeClr val="accent1"/>
-            </a:effectRef>
-            <a:fontRef idx="minor">
-              <a:schemeClr val="lt1"/>
-            </a:fontRef>
-          </p:style>
-          <p:txBody>
-            <a:bodyPr rtlCol="0" anchor="ctr"/>
-            <a:lstStyle/>
-            <a:p>
-              <a:pPr algn="ctr"/>
-              <a:endParaRPr lang="en-SG" sz="1200" dirty="0"/>
-            </a:p>
-          </p:txBody>
-        </p:sp>
-        <p:cxnSp>
-          <p:nvCxnSpPr>
-            <p:cNvPr id="157" name="Straight Arrow Connector 156">
-              <a:extLst>
-                <a:ext uri="{FF2B5EF4-FFF2-40B4-BE49-F238E27FC236}">
-                  <a16:creationId xmlns:a16="http://schemas.microsoft.com/office/drawing/2014/main" id="{793F641B-43C7-480A-926C-FDE9F85D6FAA}"/>
-                </a:ext>
-              </a:extLst>
-            </p:cNvPr>
-            <p:cNvCxnSpPr>
-              <a:cxnSpLocks/>
-              <a:stCxn id="144" idx="2"/>
-              <a:endCxn id="152" idx="0"/>
-            </p:cNvCxnSpPr>
-            <p:nvPr/>
-          </p:nvCxnSpPr>
-          <p:spPr>
-            <a:xfrm flipH="1">
-              <a:off x="3103460" y="3990997"/>
-              <a:ext cx="1" cy="262192"/>
-            </a:xfrm>
-            <a:prstGeom prst="straightConnector1">
-              <a:avLst/>
-            </a:prstGeom>
-            <a:ln w="19050">
-              <a:solidFill>
-                <a:srgbClr val="00B050"/>
-              </a:solidFill>
-              <a:tailEnd type="triangle"/>
-            </a:ln>
-          </p:spPr>
-          <p:style>
-            <a:lnRef idx="1">
-              <a:schemeClr val="accent1"/>
-            </a:lnRef>
-            <a:fillRef idx="0">
-              <a:schemeClr val="accent1"/>
-            </a:fillRef>
-            <a:effectRef idx="0">
-              <a:schemeClr val="accent1"/>
-            </a:effectRef>
-            <a:fontRef idx="minor">
-              <a:schemeClr val="tx1"/>
-            </a:fontRef>
-          </p:style>
-        </p:cxnSp>
-        <p:cxnSp>
-          <p:nvCxnSpPr>
-            <p:cNvPr id="160" name="Straight Arrow Connector 159">
-              <a:extLst>
-                <a:ext uri="{FF2B5EF4-FFF2-40B4-BE49-F238E27FC236}">
-                  <a16:creationId xmlns:a16="http://schemas.microsoft.com/office/drawing/2014/main" id="{4BD291C1-7DAB-4526-B7EF-1CFA4E000A25}"/>
-                </a:ext>
-              </a:extLst>
-            </p:cNvPr>
-            <p:cNvCxnSpPr>
-              <a:cxnSpLocks/>
-              <a:stCxn id="152" idx="2"/>
-              <a:endCxn id="153" idx="0"/>
-            </p:cNvCxnSpPr>
-            <p:nvPr/>
-          </p:nvCxnSpPr>
-          <p:spPr>
-            <a:xfrm>
-              <a:off x="3103460" y="4491175"/>
-              <a:ext cx="1" cy="266585"/>
-            </a:xfrm>
-            <a:prstGeom prst="straightConnector1">
-              <a:avLst/>
-            </a:prstGeom>
-            <a:ln w="19050">
-              <a:solidFill>
-                <a:srgbClr val="00B050"/>
-              </a:solidFill>
-              <a:tailEnd type="triangle"/>
-            </a:ln>
-          </p:spPr>
-          <p:style>
-            <a:lnRef idx="1">
-              <a:schemeClr val="accent1"/>
-            </a:lnRef>
-            <a:fillRef idx="0">
-              <a:schemeClr val="accent1"/>
-            </a:fillRef>
-            <a:effectRef idx="0">
-              <a:schemeClr val="accent1"/>
-            </a:effectRef>
-            <a:fontRef idx="minor">
-              <a:schemeClr val="tx1"/>
-            </a:fontRef>
-          </p:style>
-        </p:cxnSp>
-        <p:sp>
-          <p:nvSpPr>
-            <p:cNvPr id="165" name="TextBox 164">
-              <a:extLst>
-                <a:ext uri="{FF2B5EF4-FFF2-40B4-BE49-F238E27FC236}">
-                  <a16:creationId xmlns:a16="http://schemas.microsoft.com/office/drawing/2014/main" id="{EB12D849-20F5-4E1F-8B5E-011E85D1AF6B}"/>
-                </a:ext>
-              </a:extLst>
-            </p:cNvPr>
-            <p:cNvSpPr txBox="1"/>
-            <p:nvPr/>
-          </p:nvSpPr>
-          <p:spPr>
-            <a:xfrm>
-              <a:off x="1160783" y="4098814"/>
-              <a:ext cx="1811822" cy="276999"/>
-            </a:xfrm>
-            <a:prstGeom prst="rect">
-              <a:avLst/>
-            </a:prstGeom>
-            <a:noFill/>
-          </p:spPr>
-          <p:txBody>
-            <a:bodyPr wrap="square" rtlCol="0">
-              <a:spAutoFit/>
-            </a:bodyPr>
-            <a:lstStyle/>
-            <a:p>
-              <a:r>
-                <a:rPr lang="en-SG" sz="1200" dirty="0"/>
-                <a:t>[not all data processed]</a:t>
-              </a:r>
-            </a:p>
-          </p:txBody>
-        </p:sp>
-        <p:sp>
-          <p:nvSpPr>
-            <p:cNvPr id="166" name="TextBox 165">
-              <a:extLst>
-                <a:ext uri="{FF2B5EF4-FFF2-40B4-BE49-F238E27FC236}">
-                  <a16:creationId xmlns:a16="http://schemas.microsoft.com/office/drawing/2014/main" id="{B6A1C210-293E-4FB3-8DDC-2398BFC6BDCF}"/>
-                </a:ext>
-              </a:extLst>
-            </p:cNvPr>
-            <p:cNvSpPr txBox="1"/>
-            <p:nvPr/>
-          </p:nvSpPr>
-          <p:spPr>
-            <a:xfrm>
-              <a:off x="3044296" y="6612860"/>
-              <a:ext cx="1811822" cy="276999"/>
-            </a:xfrm>
-            <a:prstGeom prst="rect">
-              <a:avLst/>
-            </a:prstGeom>
-            <a:noFill/>
-          </p:spPr>
-          <p:txBody>
-            <a:bodyPr wrap="square" rtlCol="0">
-              <a:spAutoFit/>
-            </a:bodyPr>
-            <a:lstStyle/>
-            <a:p>
-              <a:r>
-                <a:rPr lang="en-SG" sz="1200" dirty="0"/>
-                <a:t>[else]</a:t>
-              </a:r>
-            </a:p>
-          </p:txBody>
-        </p:sp>
-        <p:cxnSp>
-          <p:nvCxnSpPr>
-            <p:cNvPr id="167" name="Straight Arrow Connector 166">
-              <a:extLst>
-                <a:ext uri="{FF2B5EF4-FFF2-40B4-BE49-F238E27FC236}">
-                  <a16:creationId xmlns:a16="http://schemas.microsoft.com/office/drawing/2014/main" id="{F1D0DF87-6617-46CA-AC81-2DB89555F610}"/>
-                </a:ext>
-              </a:extLst>
-            </p:cNvPr>
-            <p:cNvCxnSpPr>
-              <a:cxnSpLocks/>
-              <a:stCxn id="154" idx="2"/>
-              <a:endCxn id="156" idx="0"/>
-            </p:cNvCxnSpPr>
-            <p:nvPr/>
-          </p:nvCxnSpPr>
-          <p:spPr>
-            <a:xfrm flipH="1">
-              <a:off x="3103460" y="6099166"/>
-              <a:ext cx="1" cy="262192"/>
-            </a:xfrm>
-            <a:prstGeom prst="straightConnector1">
-              <a:avLst/>
-            </a:prstGeom>
-            <a:ln w="19050">
-              <a:solidFill>
-                <a:srgbClr val="00B050"/>
-              </a:solidFill>
-              <a:tailEnd type="triangle"/>
-            </a:ln>
-          </p:spPr>
-          <p:style>
-            <a:lnRef idx="1">
-              <a:schemeClr val="accent1"/>
-            </a:lnRef>
-            <a:fillRef idx="0">
-              <a:schemeClr val="accent1"/>
-            </a:fillRef>
-            <a:effectRef idx="0">
-              <a:schemeClr val="accent1"/>
-            </a:effectRef>
-            <a:fontRef idx="minor">
-              <a:schemeClr val="tx1"/>
-            </a:fontRef>
-          </p:style>
-        </p:cxnSp>
-        <p:cxnSp>
-          <p:nvCxnSpPr>
-            <p:cNvPr id="170" name="Straight Arrow Connector 169">
-              <a:extLst>
-                <a:ext uri="{FF2B5EF4-FFF2-40B4-BE49-F238E27FC236}">
-                  <a16:creationId xmlns:a16="http://schemas.microsoft.com/office/drawing/2014/main" id="{EF95D616-67AC-4156-B1B4-56CEA0B600B0}"/>
-                </a:ext>
-              </a:extLst>
-            </p:cNvPr>
-            <p:cNvCxnSpPr>
-              <a:cxnSpLocks/>
-              <a:stCxn id="81" idx="1"/>
-              <a:endCxn id="101" idx="1"/>
-            </p:cNvCxnSpPr>
-            <p:nvPr/>
-          </p:nvCxnSpPr>
-          <p:spPr>
-            <a:xfrm rot="10800000">
-              <a:off x="2134474" y="239713"/>
-              <a:ext cx="843259" cy="1989741"/>
-            </a:xfrm>
-            <a:prstGeom prst="bentConnector3">
-              <a:avLst>
-                <a:gd name="adj1" fmla="val 243912"/>
-              </a:avLst>
-            </a:prstGeom>
-            <a:ln w="19050">
-              <a:solidFill>
-                <a:srgbClr val="00B050"/>
-              </a:solidFill>
-              <a:tailEnd type="triangle"/>
-            </a:ln>
-          </p:spPr>
-          <p:style>
-            <a:lnRef idx="1">
-              <a:schemeClr val="accent1"/>
-            </a:lnRef>
-            <a:fillRef idx="0">
-              <a:schemeClr val="accent1"/>
-            </a:fillRef>
-            <a:effectRef idx="0">
-              <a:schemeClr val="accent1"/>
-            </a:effectRef>
-            <a:fontRef idx="minor">
-              <a:schemeClr val="tx1"/>
-            </a:fontRef>
-          </p:style>
-        </p:cxnSp>
-        <p:sp>
-          <p:nvSpPr>
-            <p:cNvPr id="175" name="TextBox 174">
-              <a:extLst>
-                <a:ext uri="{FF2B5EF4-FFF2-40B4-BE49-F238E27FC236}">
-                  <a16:creationId xmlns:a16="http://schemas.microsoft.com/office/drawing/2014/main" id="{815BC759-480A-4C47-A962-619505288A9A}"/>
-                </a:ext>
-              </a:extLst>
-            </p:cNvPr>
-            <p:cNvSpPr txBox="1"/>
-            <p:nvPr/>
-          </p:nvSpPr>
-          <p:spPr>
-            <a:xfrm>
-              <a:off x="1350805" y="2013753"/>
-              <a:ext cx="1811822" cy="276999"/>
-            </a:xfrm>
-            <a:prstGeom prst="rect">
-              <a:avLst/>
-            </a:prstGeom>
-            <a:noFill/>
-          </p:spPr>
-          <p:txBody>
-            <a:bodyPr wrap="square" rtlCol="0">
-              <a:spAutoFit/>
-            </a:bodyPr>
-            <a:lstStyle/>
-            <a:p>
-              <a:r>
-                <a:rPr lang="en-SG" sz="1200" dirty="0"/>
-                <a:t>[not all data processed]</a:t>
-              </a:r>
-            </a:p>
-          </p:txBody>
-        </p:sp>
-        <p:cxnSp>
-          <p:nvCxnSpPr>
-            <p:cNvPr id="176" name="Straight Arrow Connector 169">
-              <a:extLst>
-                <a:ext uri="{FF2B5EF4-FFF2-40B4-BE49-F238E27FC236}">
-                  <a16:creationId xmlns:a16="http://schemas.microsoft.com/office/drawing/2014/main" id="{CCDA1195-54DD-4B7E-B56E-C97858A1F8EB}"/>
-                </a:ext>
-              </a:extLst>
-            </p:cNvPr>
-            <p:cNvCxnSpPr>
-              <a:cxnSpLocks/>
-              <a:stCxn id="152" idx="1"/>
-              <a:endCxn id="133" idx="1"/>
-            </p:cNvCxnSpPr>
-            <p:nvPr/>
-          </p:nvCxnSpPr>
-          <p:spPr>
-            <a:xfrm rot="10800000">
-              <a:off x="2134474" y="2919395"/>
-              <a:ext cx="843260" cy="1452787"/>
-            </a:xfrm>
-            <a:prstGeom prst="bentConnector3">
-              <a:avLst>
-                <a:gd name="adj1" fmla="val 231853"/>
-              </a:avLst>
-            </a:prstGeom>
-            <a:ln w="19050">
-              <a:solidFill>
-                <a:srgbClr val="00B050"/>
-              </a:solidFill>
-              <a:tailEnd type="triangle"/>
-            </a:ln>
-          </p:spPr>
-          <p:style>
-            <a:lnRef idx="1">
-              <a:schemeClr val="accent1"/>
-            </a:lnRef>
-            <a:fillRef idx="0">
-              <a:schemeClr val="accent1"/>
-            </a:fillRef>
-            <a:effectRef idx="0">
-              <a:schemeClr val="accent1"/>
-            </a:effectRef>
-            <a:fontRef idx="minor">
-              <a:schemeClr val="tx1"/>
-            </a:fontRef>
-          </p:style>
-        </p:cxnSp>
-        <p:sp>
-          <p:nvSpPr>
-            <p:cNvPr id="180" name="TextBox 179">
-              <a:extLst>
-                <a:ext uri="{FF2B5EF4-FFF2-40B4-BE49-F238E27FC236}">
-                  <a16:creationId xmlns:a16="http://schemas.microsoft.com/office/drawing/2014/main" id="{1B7B281B-1617-4D84-9916-9833B3D5FD05}"/>
-                </a:ext>
-              </a:extLst>
-            </p:cNvPr>
-            <p:cNvSpPr txBox="1"/>
-            <p:nvPr/>
-          </p:nvSpPr>
-          <p:spPr>
-            <a:xfrm>
-              <a:off x="3103459" y="4491174"/>
-              <a:ext cx="576733" cy="276999"/>
-            </a:xfrm>
-            <a:prstGeom prst="rect">
-              <a:avLst/>
-            </a:prstGeom>
-            <a:noFill/>
-          </p:spPr>
-          <p:txBody>
-            <a:bodyPr wrap="square" rtlCol="0">
-              <a:spAutoFit/>
-            </a:bodyPr>
-            <a:lstStyle/>
-            <a:p>
-              <a:r>
-                <a:rPr lang="en-SG" sz="1200" dirty="0"/>
-                <a:t>[else]</a:t>
-              </a:r>
-            </a:p>
-          </p:txBody>
-        </p:sp>
-        <p:cxnSp>
-          <p:nvCxnSpPr>
-            <p:cNvPr id="181" name="Straight Arrow Connector 169">
-              <a:extLst>
-                <a:ext uri="{FF2B5EF4-FFF2-40B4-BE49-F238E27FC236}">
-                  <a16:creationId xmlns:a16="http://schemas.microsoft.com/office/drawing/2014/main" id="{169759AE-59F1-45A8-9694-A34472EE4DA1}"/>
-                </a:ext>
-              </a:extLst>
-            </p:cNvPr>
-            <p:cNvCxnSpPr>
-              <a:cxnSpLocks/>
-              <a:stCxn id="156" idx="1"/>
-              <a:endCxn id="153" idx="1"/>
-            </p:cNvCxnSpPr>
-            <p:nvPr/>
-          </p:nvCxnSpPr>
-          <p:spPr>
-            <a:xfrm rot="10800000">
-              <a:off x="2134474" y="5027563"/>
-              <a:ext cx="843260" cy="1452787"/>
-            </a:xfrm>
-            <a:prstGeom prst="bentConnector3">
-              <a:avLst>
-                <a:gd name="adj1" fmla="val 232374"/>
-              </a:avLst>
-            </a:prstGeom>
-            <a:ln w="19050">
-              <a:solidFill>
-                <a:srgbClr val="00B050"/>
-              </a:solidFill>
-              <a:tailEnd type="triangle"/>
-            </a:ln>
-          </p:spPr>
-          <p:style>
-            <a:lnRef idx="1">
-              <a:schemeClr val="accent1"/>
-            </a:lnRef>
-            <a:fillRef idx="0">
-              <a:schemeClr val="accent1"/>
-            </a:fillRef>
-            <a:effectRef idx="0">
-              <a:schemeClr val="accent1"/>
-            </a:effectRef>
-            <a:fontRef idx="minor">
-              <a:schemeClr val="tx1"/>
-            </a:fontRef>
-          </p:style>
-        </p:cxnSp>
-        <p:sp>
-          <p:nvSpPr>
-            <p:cNvPr id="185" name="TextBox 184">
-              <a:extLst>
-                <a:ext uri="{FF2B5EF4-FFF2-40B4-BE49-F238E27FC236}">
-                  <a16:creationId xmlns:a16="http://schemas.microsoft.com/office/drawing/2014/main" id="{592B693B-B4F0-47D3-9588-81C652481DDB}"/>
-                </a:ext>
-              </a:extLst>
-            </p:cNvPr>
-            <p:cNvSpPr txBox="1"/>
-            <p:nvPr/>
-          </p:nvSpPr>
-          <p:spPr>
-            <a:xfrm>
-              <a:off x="1155655" y="6203351"/>
-              <a:ext cx="1811822" cy="276999"/>
-            </a:xfrm>
-            <a:prstGeom prst="rect">
-              <a:avLst/>
-            </a:prstGeom>
-            <a:noFill/>
-          </p:spPr>
-          <p:txBody>
-            <a:bodyPr wrap="square" rtlCol="0">
-              <a:spAutoFit/>
-            </a:bodyPr>
-            <a:lstStyle/>
-            <a:p>
-              <a:r>
-                <a:rPr lang="en-SG" sz="1200" dirty="0"/>
-                <a:t>[not all data processed]</a:t>
-              </a:r>
-            </a:p>
-          </p:txBody>
-        </p:sp>
-        <p:cxnSp>
-          <p:nvCxnSpPr>
-            <p:cNvPr id="187" name="Straight Arrow Connector 186">
-              <a:extLst>
-                <a:ext uri="{FF2B5EF4-FFF2-40B4-BE49-F238E27FC236}">
-                  <a16:creationId xmlns:a16="http://schemas.microsoft.com/office/drawing/2014/main" id="{0BE27A1D-1F8F-4B93-91E8-3C031DAE6E77}"/>
-                </a:ext>
-              </a:extLst>
-            </p:cNvPr>
-            <p:cNvCxnSpPr>
-              <a:cxnSpLocks/>
-              <a:stCxn id="156" idx="2"/>
-              <a:endCxn id="67" idx="0"/>
-            </p:cNvCxnSpPr>
-            <p:nvPr/>
-          </p:nvCxnSpPr>
-          <p:spPr>
-            <a:xfrm flipH="1">
-              <a:off x="3103459" y="6599344"/>
-              <a:ext cx="1" cy="689500"/>
-            </a:xfrm>
-            <a:prstGeom prst="straightConnector1">
-              <a:avLst/>
-            </a:prstGeom>
-            <a:ln w="19050">
-              <a:solidFill>
-                <a:srgbClr val="00B050"/>
-              </a:solidFill>
-              <a:tailEnd type="triangle"/>
-            </a:ln>
-          </p:spPr>
-          <p:style>
-            <a:lnRef idx="1">
-              <a:schemeClr val="accent1"/>
-            </a:lnRef>
-            <a:fillRef idx="0">
-              <a:schemeClr val="accent1"/>
-            </a:fillRef>
-            <a:effectRef idx="0">
-              <a:schemeClr val="accent1"/>
-            </a:effectRef>
-            <a:fontRef idx="minor">
-              <a:schemeClr val="tx1"/>
-            </a:fontRef>
-          </p:style>
-        </p:cxnSp>
-      </p:grpSp>
+            <a:tailEnd type="triangle"/>
+          </a:ln>
+        </p:spPr>
+        <p:style>
+          <a:lnRef idx="1">
+            <a:schemeClr val="accent1"/>
+          </a:lnRef>
+          <a:fillRef idx="0">
+            <a:schemeClr val="accent1"/>
+          </a:fillRef>
+          <a:effectRef idx="0">
+            <a:schemeClr val="accent1"/>
+          </a:effectRef>
+          <a:fontRef idx="minor">
+            <a:schemeClr val="tx1"/>
+          </a:fontRef>
+        </p:style>
+      </p:cxnSp>
+      <p:cxnSp>
+        <p:nvCxnSpPr>
+          <p:cNvPr id="160" name="Straight Arrow Connector 159">
+            <a:extLst>
+              <a:ext uri="{FF2B5EF4-FFF2-40B4-BE49-F238E27FC236}">
+                <a16:creationId xmlns:a16="http://schemas.microsoft.com/office/drawing/2014/main" id="{4BD291C1-7DAB-4526-B7EF-1CFA4E000A25}"/>
+              </a:ext>
+            </a:extLst>
+          </p:cNvPr>
+          <p:cNvCxnSpPr>
+            <a:cxnSpLocks/>
+            <a:stCxn id="152" idx="2"/>
+            <a:endCxn id="153" idx="1"/>
+          </p:cNvCxnSpPr>
+          <p:nvPr/>
+        </p:nvCxnSpPr>
+        <p:spPr>
+          <a:xfrm>
+            <a:off x="8818201" y="2541018"/>
+            <a:ext cx="676686" cy="5179"/>
+          </a:xfrm>
+          <a:prstGeom prst="straightConnector1">
+            <a:avLst/>
+          </a:prstGeom>
+          <a:ln w="19050">
+            <a:solidFill>
+              <a:srgbClr val="00B050"/>
+            </a:solidFill>
+            <a:tailEnd type="triangle"/>
+          </a:ln>
+        </p:spPr>
+        <p:style>
+          <a:lnRef idx="1">
+            <a:schemeClr val="accent1"/>
+          </a:lnRef>
+          <a:fillRef idx="0">
+            <a:schemeClr val="accent1"/>
+          </a:fillRef>
+          <a:effectRef idx="0">
+            <a:schemeClr val="accent1"/>
+          </a:effectRef>
+          <a:fontRef idx="minor">
+            <a:schemeClr val="tx1"/>
+          </a:fontRef>
+        </p:style>
+      </p:cxnSp>
+      <p:sp>
+        <p:nvSpPr>
+          <p:cNvPr id="165" name="TextBox 164">
+            <a:extLst>
+              <a:ext uri="{FF2B5EF4-FFF2-40B4-BE49-F238E27FC236}">
+                <a16:creationId xmlns:a16="http://schemas.microsoft.com/office/drawing/2014/main" id="{EB12D849-20F5-4E1F-8B5E-011E85D1AF6B}"/>
+              </a:ext>
+            </a:extLst>
+          </p:cNvPr>
+          <p:cNvSpPr txBox="1"/>
+          <p:nvPr/>
+        </p:nvSpPr>
+        <p:spPr>
+          <a:xfrm>
+            <a:off x="7856657" y="3759810"/>
+            <a:ext cx="1811822" cy="276999"/>
+          </a:xfrm>
+          <a:prstGeom prst="rect">
+            <a:avLst/>
+          </a:prstGeom>
+          <a:noFill/>
+        </p:spPr>
+        <p:txBody>
+          <a:bodyPr wrap="square" rtlCol="0">
+            <a:spAutoFit/>
+          </a:bodyPr>
+          <a:lstStyle/>
+          <a:p>
+            <a:r>
+              <a:rPr lang="en-SG" sz="1200" dirty="0"/>
+              <a:t>[not all data processed]</a:t>
+            </a:r>
+          </a:p>
+        </p:txBody>
+      </p:sp>
+      <p:sp>
+        <p:nvSpPr>
+          <p:cNvPr id="166" name="TextBox 165">
+            <a:extLst>
+              <a:ext uri="{FF2B5EF4-FFF2-40B4-BE49-F238E27FC236}">
+                <a16:creationId xmlns:a16="http://schemas.microsoft.com/office/drawing/2014/main" id="{B6A1C210-293E-4FB3-8DDC-2398BFC6BDCF}"/>
+              </a:ext>
+            </a:extLst>
+          </p:cNvPr>
+          <p:cNvSpPr txBox="1"/>
+          <p:nvPr/>
+        </p:nvSpPr>
+        <p:spPr>
+          <a:xfrm>
+            <a:off x="14391784" y="2212994"/>
+            <a:ext cx="765546" cy="276999"/>
+          </a:xfrm>
+          <a:prstGeom prst="rect">
+            <a:avLst/>
+          </a:prstGeom>
+          <a:noFill/>
+        </p:spPr>
+        <p:txBody>
+          <a:bodyPr wrap="square" rtlCol="0">
+            <a:spAutoFit/>
+          </a:bodyPr>
+          <a:lstStyle/>
+          <a:p>
+            <a:r>
+              <a:rPr lang="en-SG" sz="1200" dirty="0"/>
+              <a:t>[else]</a:t>
+            </a:r>
+          </a:p>
+        </p:txBody>
+      </p:sp>
+      <p:cxnSp>
+        <p:nvCxnSpPr>
+          <p:cNvPr id="167" name="Straight Arrow Connector 166">
+            <a:extLst>
+              <a:ext uri="{FF2B5EF4-FFF2-40B4-BE49-F238E27FC236}">
+                <a16:creationId xmlns:a16="http://schemas.microsoft.com/office/drawing/2014/main" id="{F1D0DF87-6617-46CA-AC81-2DB89555F610}"/>
+              </a:ext>
+            </a:extLst>
+          </p:cNvPr>
+          <p:cNvCxnSpPr>
+            <a:cxnSpLocks/>
+            <a:stCxn id="154" idx="3"/>
+            <a:endCxn id="156" idx="0"/>
+          </p:cNvCxnSpPr>
+          <p:nvPr/>
+        </p:nvCxnSpPr>
+        <p:spPr>
+          <a:xfrm flipV="1">
+            <a:off x="13417601" y="2541015"/>
+            <a:ext cx="766967" cy="5182"/>
+          </a:xfrm>
+          <a:prstGeom prst="straightConnector1">
+            <a:avLst/>
+          </a:prstGeom>
+          <a:ln w="19050">
+            <a:solidFill>
+              <a:srgbClr val="00B050"/>
+            </a:solidFill>
+            <a:tailEnd type="triangle"/>
+          </a:ln>
+        </p:spPr>
+        <p:style>
+          <a:lnRef idx="1">
+            <a:schemeClr val="accent1"/>
+          </a:lnRef>
+          <a:fillRef idx="0">
+            <a:schemeClr val="accent1"/>
+          </a:fillRef>
+          <a:effectRef idx="0">
+            <a:schemeClr val="accent1"/>
+          </a:effectRef>
+          <a:fontRef idx="minor">
+            <a:schemeClr val="tx1"/>
+          </a:fontRef>
+        </p:style>
+      </p:cxnSp>
+      <p:cxnSp>
+        <p:nvCxnSpPr>
+          <p:cNvPr id="170" name="Straight Arrow Connector 169">
+            <a:extLst>
+              <a:ext uri="{FF2B5EF4-FFF2-40B4-BE49-F238E27FC236}">
+                <a16:creationId xmlns:a16="http://schemas.microsoft.com/office/drawing/2014/main" id="{EF95D616-67AC-4156-B1B4-56CEA0B600B0}"/>
+              </a:ext>
+            </a:extLst>
+          </p:cNvPr>
+          <p:cNvCxnSpPr>
+            <a:cxnSpLocks/>
+            <a:stCxn id="81" idx="1"/>
+            <a:endCxn id="101" idx="2"/>
+          </p:cNvCxnSpPr>
+          <p:nvPr/>
+        </p:nvCxnSpPr>
+        <p:spPr>
+          <a:xfrm rot="5400000">
+            <a:off x="1391039" y="978237"/>
+            <a:ext cx="833077" cy="4210087"/>
+          </a:xfrm>
+          <a:prstGeom prst="bentConnector3">
+            <a:avLst>
+              <a:gd name="adj1" fmla="val 127440"/>
+            </a:avLst>
+          </a:prstGeom>
+          <a:ln w="19050">
+            <a:solidFill>
+              <a:srgbClr val="00B050"/>
+            </a:solidFill>
+            <a:tailEnd type="triangle"/>
+          </a:ln>
+        </p:spPr>
+        <p:style>
+          <a:lnRef idx="1">
+            <a:schemeClr val="accent1"/>
+          </a:lnRef>
+          <a:fillRef idx="0">
+            <a:schemeClr val="accent1"/>
+          </a:fillRef>
+          <a:effectRef idx="0">
+            <a:schemeClr val="accent1"/>
+          </a:effectRef>
+          <a:fontRef idx="minor">
+            <a:schemeClr val="tx1"/>
+          </a:fontRef>
+        </p:style>
+      </p:cxnSp>
+      <p:sp>
+        <p:nvSpPr>
+          <p:cNvPr id="175" name="TextBox 174">
+            <a:extLst>
+              <a:ext uri="{FF2B5EF4-FFF2-40B4-BE49-F238E27FC236}">
+                <a16:creationId xmlns:a16="http://schemas.microsoft.com/office/drawing/2014/main" id="{815BC759-480A-4C47-A962-619505288A9A}"/>
+              </a:ext>
+            </a:extLst>
+          </p:cNvPr>
+          <p:cNvSpPr txBox="1"/>
+          <p:nvPr/>
+        </p:nvSpPr>
+        <p:spPr>
+          <a:xfrm>
+            <a:off x="2299673" y="3754730"/>
+            <a:ext cx="1811822" cy="276999"/>
+          </a:xfrm>
+          <a:prstGeom prst="rect">
+            <a:avLst/>
+          </a:prstGeom>
+          <a:noFill/>
+        </p:spPr>
+        <p:txBody>
+          <a:bodyPr wrap="square" rtlCol="0">
+            <a:spAutoFit/>
+          </a:bodyPr>
+          <a:lstStyle/>
+          <a:p>
+            <a:r>
+              <a:rPr lang="en-SG" sz="1200" dirty="0"/>
+              <a:t>[not all data processed]</a:t>
+            </a:r>
+          </a:p>
+        </p:txBody>
+      </p:sp>
+      <p:cxnSp>
+        <p:nvCxnSpPr>
+          <p:cNvPr id="176" name="Straight Arrow Connector 169">
+            <a:extLst>
+              <a:ext uri="{FF2B5EF4-FFF2-40B4-BE49-F238E27FC236}">
+                <a16:creationId xmlns:a16="http://schemas.microsoft.com/office/drawing/2014/main" id="{CCDA1195-54DD-4B7E-B56E-C97858A1F8EB}"/>
+              </a:ext>
+            </a:extLst>
+          </p:cNvPr>
+          <p:cNvCxnSpPr>
+            <a:cxnSpLocks/>
+            <a:stCxn id="152" idx="1"/>
+            <a:endCxn id="133" idx="2"/>
+          </p:cNvCxnSpPr>
+          <p:nvPr/>
+        </p:nvCxnSpPr>
+        <p:spPr>
+          <a:xfrm rot="5400000">
+            <a:off x="6433836" y="1234440"/>
+            <a:ext cx="833069" cy="3697679"/>
+          </a:xfrm>
+          <a:prstGeom prst="bentConnector3">
+            <a:avLst>
+              <a:gd name="adj1" fmla="val 127441"/>
+            </a:avLst>
+          </a:prstGeom>
+          <a:ln w="19050">
+            <a:solidFill>
+              <a:srgbClr val="00B050"/>
+            </a:solidFill>
+            <a:tailEnd type="triangle"/>
+          </a:ln>
+        </p:spPr>
+        <p:style>
+          <a:lnRef idx="1">
+            <a:schemeClr val="accent1"/>
+          </a:lnRef>
+          <a:fillRef idx="0">
+            <a:schemeClr val="accent1"/>
+          </a:fillRef>
+          <a:effectRef idx="0">
+            <a:schemeClr val="accent1"/>
+          </a:effectRef>
+          <a:fontRef idx="minor">
+            <a:schemeClr val="tx1"/>
+          </a:fontRef>
+        </p:style>
+      </p:cxnSp>
+      <p:sp>
+        <p:nvSpPr>
+          <p:cNvPr id="180" name="TextBox 179">
+            <a:extLst>
+              <a:ext uri="{FF2B5EF4-FFF2-40B4-BE49-F238E27FC236}">
+                <a16:creationId xmlns:a16="http://schemas.microsoft.com/office/drawing/2014/main" id="{1B7B281B-1617-4D84-9916-9833B3D5FD05}"/>
+              </a:ext>
+            </a:extLst>
+          </p:cNvPr>
+          <p:cNvSpPr txBox="1"/>
+          <p:nvPr/>
+        </p:nvSpPr>
+        <p:spPr>
+          <a:xfrm>
+            <a:off x="8852765" y="2188383"/>
+            <a:ext cx="576733" cy="276999"/>
+          </a:xfrm>
+          <a:prstGeom prst="rect">
+            <a:avLst/>
+          </a:prstGeom>
+          <a:noFill/>
+        </p:spPr>
+        <p:txBody>
+          <a:bodyPr wrap="square" rtlCol="0">
+            <a:spAutoFit/>
+          </a:bodyPr>
+          <a:lstStyle/>
+          <a:p>
+            <a:r>
+              <a:rPr lang="en-SG" sz="1200" dirty="0"/>
+              <a:t>[else]</a:t>
+            </a:r>
+          </a:p>
+        </p:txBody>
+      </p:sp>
+      <p:cxnSp>
+        <p:nvCxnSpPr>
+          <p:cNvPr id="181" name="Straight Arrow Connector 169">
+            <a:extLst>
+              <a:ext uri="{FF2B5EF4-FFF2-40B4-BE49-F238E27FC236}">
+                <a16:creationId xmlns:a16="http://schemas.microsoft.com/office/drawing/2014/main" id="{169759AE-59F1-45A8-9694-A34472EE4DA1}"/>
+              </a:ext>
+            </a:extLst>
+          </p:cNvPr>
+          <p:cNvCxnSpPr>
+            <a:cxnSpLocks/>
+            <a:stCxn id="156" idx="1"/>
+            <a:endCxn id="153" idx="2"/>
+          </p:cNvCxnSpPr>
+          <p:nvPr/>
+        </p:nvCxnSpPr>
+        <p:spPr>
+          <a:xfrm rot="5400000">
+            <a:off x="11933462" y="1129713"/>
+            <a:ext cx="833071" cy="3907128"/>
+          </a:xfrm>
+          <a:prstGeom prst="bentConnector3">
+            <a:avLst>
+              <a:gd name="adj1" fmla="val 127441"/>
+            </a:avLst>
+          </a:prstGeom>
+          <a:ln w="19050">
+            <a:solidFill>
+              <a:srgbClr val="00B050"/>
+            </a:solidFill>
+            <a:tailEnd type="triangle"/>
+          </a:ln>
+        </p:spPr>
+        <p:style>
+          <a:lnRef idx="1">
+            <a:schemeClr val="accent1"/>
+          </a:lnRef>
+          <a:fillRef idx="0">
+            <a:schemeClr val="accent1"/>
+          </a:fillRef>
+          <a:effectRef idx="0">
+            <a:schemeClr val="accent1"/>
+          </a:effectRef>
+          <a:fontRef idx="minor">
+            <a:schemeClr val="tx1"/>
+          </a:fontRef>
+        </p:style>
+      </p:cxnSp>
+      <p:sp>
+        <p:nvSpPr>
+          <p:cNvPr id="185" name="TextBox 184">
+            <a:extLst>
+              <a:ext uri="{FF2B5EF4-FFF2-40B4-BE49-F238E27FC236}">
+                <a16:creationId xmlns:a16="http://schemas.microsoft.com/office/drawing/2014/main" id="{592B693B-B4F0-47D3-9588-81C652481DDB}"/>
+              </a:ext>
+            </a:extLst>
+          </p:cNvPr>
+          <p:cNvSpPr txBox="1"/>
+          <p:nvPr/>
+        </p:nvSpPr>
+        <p:spPr>
+          <a:xfrm>
+            <a:off x="13391342" y="3818071"/>
+            <a:ext cx="1811822" cy="276999"/>
+          </a:xfrm>
+          <a:prstGeom prst="rect">
+            <a:avLst/>
+          </a:prstGeom>
+          <a:noFill/>
+        </p:spPr>
+        <p:txBody>
+          <a:bodyPr wrap="square" rtlCol="0">
+            <a:spAutoFit/>
+          </a:bodyPr>
+          <a:lstStyle/>
+          <a:p>
+            <a:r>
+              <a:rPr lang="en-SG" sz="1200" dirty="0"/>
+              <a:t>[not all data processed]</a:t>
+            </a:r>
+          </a:p>
+        </p:txBody>
+      </p:sp>
+      <p:cxnSp>
+        <p:nvCxnSpPr>
+          <p:cNvPr id="187" name="Straight Arrow Connector 186">
+            <a:extLst>
+              <a:ext uri="{FF2B5EF4-FFF2-40B4-BE49-F238E27FC236}">
+                <a16:creationId xmlns:a16="http://schemas.microsoft.com/office/drawing/2014/main" id="{0BE27A1D-1F8F-4B93-91E8-3C031DAE6E77}"/>
+              </a:ext>
+            </a:extLst>
+          </p:cNvPr>
+          <p:cNvCxnSpPr>
+            <a:cxnSpLocks/>
+            <a:stCxn id="156" idx="2"/>
+            <a:endCxn id="67" idx="0"/>
+          </p:cNvCxnSpPr>
+          <p:nvPr/>
+        </p:nvCxnSpPr>
+        <p:spPr>
+          <a:xfrm>
+            <a:off x="14422553" y="2541015"/>
+            <a:ext cx="875142" cy="9439"/>
+          </a:xfrm>
+          <a:prstGeom prst="straightConnector1">
+            <a:avLst/>
+          </a:prstGeom>
+          <a:ln w="19050">
+            <a:solidFill>
+              <a:srgbClr val="00B050"/>
+            </a:solidFill>
+            <a:tailEnd type="triangle"/>
+          </a:ln>
+        </p:spPr>
+        <p:style>
+          <a:lnRef idx="1">
+            <a:schemeClr val="accent1"/>
+          </a:lnRef>
+          <a:fillRef idx="0">
+            <a:schemeClr val="accent1"/>
+          </a:fillRef>
+          <a:effectRef idx="0">
+            <a:schemeClr val="accent1"/>
+          </a:effectRef>
+          <a:fontRef idx="minor">
+            <a:schemeClr val="tx1"/>
+          </a:fontRef>
+        </p:style>
+      </p:cxnSp>
     </p:spTree>
     <p:extLst>
       <p:ext uri="{BB962C8B-B14F-4D97-AF65-F5344CB8AC3E}">
